--- a/redes/parcial1/Proteccion de endpoints.pptx
+++ b/redes/parcial1/Proteccion de endpoints.pptx
@@ -4,10 +4,16 @@
   <p:sldMasterIdLst>
     <p:sldMasterId id="2147483660" r:id="rId1"/>
   </p:sldMasterIdLst>
+  <p:notesMasterIdLst>
+    <p:notesMasterId r:id="rId8"/>
+  </p:notesMasterIdLst>
   <p:sldIdLst>
     <p:sldId id="256" r:id="rId2"/>
     <p:sldId id="257" r:id="rId3"/>
     <p:sldId id="258" r:id="rId4"/>
+    <p:sldId id="259" r:id="rId5"/>
+    <p:sldId id="260" r:id="rId6"/>
+    <p:sldId id="261" r:id="rId7"/>
   </p:sldIdLst>
   <p:sldSz cx="12192000" cy="6858000"/>
   <p:notesSz cx="6858000" cy="9144000"/>
@@ -106,7 +112,614 @@
       </a:defRPr>
     </a:lvl9pPr>
   </p:defaultTextStyle>
+  <p:extLst>
+    <p:ext uri="{EFAFB233-063F-42B5-8137-9DF3F51BA10A}">
+      <p15:sldGuideLst xmlns:p15="http://schemas.microsoft.com/office/powerpoint/2012/main"/>
+    </p:ext>
+  </p:extLst>
 </p:presentation>
+</file>
+
+<file path=ppt/notesMasters/notesMaster1.xml><?xml version="1.0" encoding="utf-8"?>
+<p:notesMaster xmlns:a="http://schemas.openxmlformats.org/drawingml/2006/main" xmlns:r="http://schemas.openxmlformats.org/officeDocument/2006/relationships" xmlns:p="http://schemas.openxmlformats.org/presentationml/2006/main">
+  <p:cSld>
+    <p:bg>
+      <p:bgRef idx="1001">
+        <a:schemeClr val="bg1"/>
+      </p:bgRef>
+    </p:bg>
+    <p:spTree>
+      <p:nvGrpSpPr>
+        <p:cNvPr id="1" name=""/>
+        <p:cNvGrpSpPr/>
+        <p:nvPr/>
+      </p:nvGrpSpPr>
+      <p:grpSpPr>
+        <a:xfrm>
+          <a:off x="0" y="0"/>
+          <a:ext cx="0" cy="0"/>
+          <a:chOff x="0" y="0"/>
+          <a:chExt cx="0" cy="0"/>
+        </a:xfrm>
+      </p:grpSpPr>
+      <p:sp>
+        <p:nvSpPr>
+          <p:cNvPr id="2" name="Header Placeholder 1"/>
+          <p:cNvSpPr>
+            <a:spLocks noGrp="1"/>
+          </p:cNvSpPr>
+          <p:nvPr>
+            <p:ph type="hdr" sz="quarter"/>
+          </p:nvPr>
+        </p:nvSpPr>
+        <p:spPr>
+          <a:xfrm>
+            <a:off x="0" y="0"/>
+            <a:ext cx="2971800" cy="458788"/>
+          </a:xfrm>
+          <a:prstGeom prst="rect">
+            <a:avLst/>
+          </a:prstGeom>
+        </p:spPr>
+        <p:txBody>
+          <a:bodyPr vert="horz" lIns="91440" tIns="45720" rIns="91440" bIns="45720" rtlCol="0"/>
+          <a:lstStyle>
+            <a:lvl1pPr algn="l">
+              <a:defRPr sz="1200"/>
+            </a:lvl1pPr>
+          </a:lstStyle>
+          <a:p>
+            <a:endParaRPr lang="es-MX"/>
+          </a:p>
+        </p:txBody>
+      </p:sp>
+      <p:sp>
+        <p:nvSpPr>
+          <p:cNvPr id="3" name="Date Placeholder 2"/>
+          <p:cNvSpPr>
+            <a:spLocks noGrp="1"/>
+          </p:cNvSpPr>
+          <p:nvPr>
+            <p:ph type="dt" idx="1"/>
+          </p:nvPr>
+        </p:nvSpPr>
+        <p:spPr>
+          <a:xfrm>
+            <a:off x="3884613" y="0"/>
+            <a:ext cx="2971800" cy="458788"/>
+          </a:xfrm>
+          <a:prstGeom prst="rect">
+            <a:avLst/>
+          </a:prstGeom>
+        </p:spPr>
+        <p:txBody>
+          <a:bodyPr vert="horz" lIns="91440" tIns="45720" rIns="91440" bIns="45720" rtlCol="0"/>
+          <a:lstStyle>
+            <a:lvl1pPr algn="r">
+              <a:defRPr sz="1200"/>
+            </a:lvl1pPr>
+          </a:lstStyle>
+          <a:p>
+            <a:fld id="{AF5B95C5-F90D-4273-A764-5040DF7359F4}" type="datetimeFigureOut">
+              <a:rPr lang="es-MX" smtClean="0"/>
+              <a:t>20/08/2024</a:t>
+            </a:fld>
+            <a:endParaRPr lang="es-MX"/>
+          </a:p>
+        </p:txBody>
+      </p:sp>
+      <p:sp>
+        <p:nvSpPr>
+          <p:cNvPr id="4" name="Slide Image Placeholder 3"/>
+          <p:cNvSpPr>
+            <a:spLocks noGrp="1" noRot="1" noChangeAspect="1"/>
+          </p:cNvSpPr>
+          <p:nvPr>
+            <p:ph type="sldImg" idx="2"/>
+          </p:nvPr>
+        </p:nvSpPr>
+        <p:spPr>
+          <a:xfrm>
+            <a:off x="685800" y="1143000"/>
+            <a:ext cx="5486400" cy="3086100"/>
+          </a:xfrm>
+          <a:prstGeom prst="rect">
+            <a:avLst/>
+          </a:prstGeom>
+          <a:noFill/>
+          <a:ln w="12700">
+            <a:solidFill>
+              <a:prstClr val="black"/>
+            </a:solidFill>
+          </a:ln>
+        </p:spPr>
+        <p:txBody>
+          <a:bodyPr vert="horz" lIns="91440" tIns="45720" rIns="91440" bIns="45720" rtlCol="0" anchor="ctr"/>
+          <a:lstStyle/>
+          <a:p>
+            <a:endParaRPr lang="es-MX"/>
+          </a:p>
+        </p:txBody>
+      </p:sp>
+      <p:sp>
+        <p:nvSpPr>
+          <p:cNvPr id="5" name="Notes Placeholder 4"/>
+          <p:cNvSpPr>
+            <a:spLocks noGrp="1"/>
+          </p:cNvSpPr>
+          <p:nvPr>
+            <p:ph type="body" sz="quarter" idx="3"/>
+          </p:nvPr>
+        </p:nvSpPr>
+        <p:spPr>
+          <a:xfrm>
+            <a:off x="685800" y="4400550"/>
+            <a:ext cx="5486400" cy="3600450"/>
+          </a:xfrm>
+          <a:prstGeom prst="rect">
+            <a:avLst/>
+          </a:prstGeom>
+        </p:spPr>
+        <p:txBody>
+          <a:bodyPr vert="horz" lIns="91440" tIns="45720" rIns="91440" bIns="45720" rtlCol="0"/>
+          <a:lstStyle/>
+          <a:p>
+            <a:pPr lvl="0"/>
+            <a:r>
+              <a:rPr lang="en-US"/>
+              <a:t>Click to edit Master text styles</a:t>
+            </a:r>
+          </a:p>
+          <a:p>
+            <a:pPr lvl="1"/>
+            <a:r>
+              <a:rPr lang="en-US"/>
+              <a:t>Second level</a:t>
+            </a:r>
+          </a:p>
+          <a:p>
+            <a:pPr lvl="2"/>
+            <a:r>
+              <a:rPr lang="en-US"/>
+              <a:t>Third level</a:t>
+            </a:r>
+          </a:p>
+          <a:p>
+            <a:pPr lvl="3"/>
+            <a:r>
+              <a:rPr lang="en-US"/>
+              <a:t>Fourth level</a:t>
+            </a:r>
+          </a:p>
+          <a:p>
+            <a:pPr lvl="4"/>
+            <a:r>
+              <a:rPr lang="en-US"/>
+              <a:t>Fifth level</a:t>
+            </a:r>
+            <a:endParaRPr lang="es-MX"/>
+          </a:p>
+        </p:txBody>
+      </p:sp>
+      <p:sp>
+        <p:nvSpPr>
+          <p:cNvPr id="6" name="Footer Placeholder 5"/>
+          <p:cNvSpPr>
+            <a:spLocks noGrp="1"/>
+          </p:cNvSpPr>
+          <p:nvPr>
+            <p:ph type="ftr" sz="quarter" idx="4"/>
+          </p:nvPr>
+        </p:nvSpPr>
+        <p:spPr>
+          <a:xfrm>
+            <a:off x="0" y="8685213"/>
+            <a:ext cx="2971800" cy="458787"/>
+          </a:xfrm>
+          <a:prstGeom prst="rect">
+            <a:avLst/>
+          </a:prstGeom>
+        </p:spPr>
+        <p:txBody>
+          <a:bodyPr vert="horz" lIns="91440" tIns="45720" rIns="91440" bIns="45720" rtlCol="0" anchor="b"/>
+          <a:lstStyle>
+            <a:lvl1pPr algn="l">
+              <a:defRPr sz="1200"/>
+            </a:lvl1pPr>
+          </a:lstStyle>
+          <a:p>
+            <a:endParaRPr lang="es-MX"/>
+          </a:p>
+        </p:txBody>
+      </p:sp>
+      <p:sp>
+        <p:nvSpPr>
+          <p:cNvPr id="7" name="Slide Number Placeholder 6"/>
+          <p:cNvSpPr>
+            <a:spLocks noGrp="1"/>
+          </p:cNvSpPr>
+          <p:nvPr>
+            <p:ph type="sldNum" sz="quarter" idx="5"/>
+          </p:nvPr>
+        </p:nvSpPr>
+        <p:spPr>
+          <a:xfrm>
+            <a:off x="3884613" y="8685213"/>
+            <a:ext cx="2971800" cy="458787"/>
+          </a:xfrm>
+          <a:prstGeom prst="rect">
+            <a:avLst/>
+          </a:prstGeom>
+        </p:spPr>
+        <p:txBody>
+          <a:bodyPr vert="horz" lIns="91440" tIns="45720" rIns="91440" bIns="45720" rtlCol="0" anchor="b"/>
+          <a:lstStyle>
+            <a:lvl1pPr algn="r">
+              <a:defRPr sz="1200"/>
+            </a:lvl1pPr>
+          </a:lstStyle>
+          <a:p>
+            <a:fld id="{DD533B64-FBBB-4C3F-B348-EE79594852DE}" type="slidenum">
+              <a:rPr lang="es-MX" smtClean="0"/>
+              <a:t>‹#›</a:t>
+            </a:fld>
+            <a:endParaRPr lang="es-MX"/>
+          </a:p>
+        </p:txBody>
+      </p:sp>
+    </p:spTree>
+    <p:extLst>
+      <p:ext uri="{BB962C8B-B14F-4D97-AF65-F5344CB8AC3E}">
+        <p14:creationId xmlns:p14="http://schemas.microsoft.com/office/powerpoint/2010/main" val="3023351609"/>
+      </p:ext>
+    </p:extLst>
+  </p:cSld>
+  <p:clrMap bg1="lt1" tx1="dk1" bg2="lt2" tx2="dk2" accent1="accent1" accent2="accent2" accent3="accent3" accent4="accent4" accent5="accent5" accent6="accent6" hlink="hlink" folHlink="folHlink"/>
+  <p:notesStyle>
+    <a:lvl1pPr marL="0" algn="l" defTabSz="914400" rtl="0" eaLnBrk="1" latinLnBrk="0" hangingPunct="1">
+      <a:defRPr sz="1200" kern="1200">
+        <a:solidFill>
+          <a:schemeClr val="tx1"/>
+        </a:solidFill>
+        <a:latin typeface="+mn-lt"/>
+        <a:ea typeface="+mn-ea"/>
+        <a:cs typeface="+mn-cs"/>
+      </a:defRPr>
+    </a:lvl1pPr>
+    <a:lvl2pPr marL="457200" algn="l" defTabSz="914400" rtl="0" eaLnBrk="1" latinLnBrk="0" hangingPunct="1">
+      <a:defRPr sz="1200" kern="1200">
+        <a:solidFill>
+          <a:schemeClr val="tx1"/>
+        </a:solidFill>
+        <a:latin typeface="+mn-lt"/>
+        <a:ea typeface="+mn-ea"/>
+        <a:cs typeface="+mn-cs"/>
+      </a:defRPr>
+    </a:lvl2pPr>
+    <a:lvl3pPr marL="914400" algn="l" defTabSz="914400" rtl="0" eaLnBrk="1" latinLnBrk="0" hangingPunct="1">
+      <a:defRPr sz="1200" kern="1200">
+        <a:solidFill>
+          <a:schemeClr val="tx1"/>
+        </a:solidFill>
+        <a:latin typeface="+mn-lt"/>
+        <a:ea typeface="+mn-ea"/>
+        <a:cs typeface="+mn-cs"/>
+      </a:defRPr>
+    </a:lvl3pPr>
+    <a:lvl4pPr marL="1371600" algn="l" defTabSz="914400" rtl="0" eaLnBrk="1" latinLnBrk="0" hangingPunct="1">
+      <a:defRPr sz="1200" kern="1200">
+        <a:solidFill>
+          <a:schemeClr val="tx1"/>
+        </a:solidFill>
+        <a:latin typeface="+mn-lt"/>
+        <a:ea typeface="+mn-ea"/>
+        <a:cs typeface="+mn-cs"/>
+      </a:defRPr>
+    </a:lvl4pPr>
+    <a:lvl5pPr marL="1828800" algn="l" defTabSz="914400" rtl="0" eaLnBrk="1" latinLnBrk="0" hangingPunct="1">
+      <a:defRPr sz="1200" kern="1200">
+        <a:solidFill>
+          <a:schemeClr val="tx1"/>
+        </a:solidFill>
+        <a:latin typeface="+mn-lt"/>
+        <a:ea typeface="+mn-ea"/>
+        <a:cs typeface="+mn-cs"/>
+      </a:defRPr>
+    </a:lvl5pPr>
+    <a:lvl6pPr marL="2286000" algn="l" defTabSz="914400" rtl="0" eaLnBrk="1" latinLnBrk="0" hangingPunct="1">
+      <a:defRPr sz="1200" kern="1200">
+        <a:solidFill>
+          <a:schemeClr val="tx1"/>
+        </a:solidFill>
+        <a:latin typeface="+mn-lt"/>
+        <a:ea typeface="+mn-ea"/>
+        <a:cs typeface="+mn-cs"/>
+      </a:defRPr>
+    </a:lvl6pPr>
+    <a:lvl7pPr marL="2743200" algn="l" defTabSz="914400" rtl="0" eaLnBrk="1" latinLnBrk="0" hangingPunct="1">
+      <a:defRPr sz="1200" kern="1200">
+        <a:solidFill>
+          <a:schemeClr val="tx1"/>
+        </a:solidFill>
+        <a:latin typeface="+mn-lt"/>
+        <a:ea typeface="+mn-ea"/>
+        <a:cs typeface="+mn-cs"/>
+      </a:defRPr>
+    </a:lvl7pPr>
+    <a:lvl8pPr marL="3200400" algn="l" defTabSz="914400" rtl="0" eaLnBrk="1" latinLnBrk="0" hangingPunct="1">
+      <a:defRPr sz="1200" kern="1200">
+        <a:solidFill>
+          <a:schemeClr val="tx1"/>
+        </a:solidFill>
+        <a:latin typeface="+mn-lt"/>
+        <a:ea typeface="+mn-ea"/>
+        <a:cs typeface="+mn-cs"/>
+      </a:defRPr>
+    </a:lvl8pPr>
+    <a:lvl9pPr marL="3657600" algn="l" defTabSz="914400" rtl="0" eaLnBrk="1" latinLnBrk="0" hangingPunct="1">
+      <a:defRPr sz="1200" kern="1200">
+        <a:solidFill>
+          <a:schemeClr val="tx1"/>
+        </a:solidFill>
+        <a:latin typeface="+mn-lt"/>
+        <a:ea typeface="+mn-ea"/>
+        <a:cs typeface="+mn-cs"/>
+      </a:defRPr>
+    </a:lvl9pPr>
+  </p:notesStyle>
+</p:notesMaster>
+</file>
+
+<file path=ppt/notesSlides/notesSlide1.xml><?xml version="1.0" encoding="utf-8"?>
+<p:notes xmlns:a="http://schemas.openxmlformats.org/drawingml/2006/main" xmlns:r="http://schemas.openxmlformats.org/officeDocument/2006/relationships" xmlns:p="http://schemas.openxmlformats.org/presentationml/2006/main">
+  <p:cSld>
+    <p:spTree>
+      <p:nvGrpSpPr>
+        <p:cNvPr id="1" name=""/>
+        <p:cNvGrpSpPr/>
+        <p:nvPr/>
+      </p:nvGrpSpPr>
+      <p:grpSpPr>
+        <a:xfrm>
+          <a:off x="0" y="0"/>
+          <a:ext cx="0" cy="0"/>
+          <a:chOff x="0" y="0"/>
+          <a:chExt cx="0" cy="0"/>
+        </a:xfrm>
+      </p:grpSpPr>
+      <p:sp>
+        <p:nvSpPr>
+          <p:cNvPr id="2" name="Slide Image Placeholder 1"/>
+          <p:cNvSpPr>
+            <a:spLocks noGrp="1" noRot="1" noChangeAspect="1"/>
+          </p:cNvSpPr>
+          <p:nvPr>
+            <p:ph type="sldImg"/>
+          </p:nvPr>
+        </p:nvSpPr>
+        <p:spPr/>
+      </p:sp>
+      <p:sp>
+        <p:nvSpPr>
+          <p:cNvPr id="3" name="Notes Placeholder 2"/>
+          <p:cNvSpPr>
+            <a:spLocks noGrp="1"/>
+          </p:cNvSpPr>
+          <p:nvPr>
+            <p:ph type="body" idx="1"/>
+          </p:nvPr>
+        </p:nvSpPr>
+        <p:spPr/>
+        <p:txBody>
+          <a:bodyPr/>
+          <a:lstStyle/>
+          <a:p>
+            <a:endParaRPr lang="es-MX" dirty="0"/>
+          </a:p>
+        </p:txBody>
+      </p:sp>
+      <p:sp>
+        <p:nvSpPr>
+          <p:cNvPr id="4" name="Slide Number Placeholder 3"/>
+          <p:cNvSpPr>
+            <a:spLocks noGrp="1"/>
+          </p:cNvSpPr>
+          <p:nvPr>
+            <p:ph type="sldNum" sz="quarter" idx="5"/>
+          </p:nvPr>
+        </p:nvSpPr>
+        <p:spPr/>
+        <p:txBody>
+          <a:bodyPr/>
+          <a:lstStyle/>
+          <a:p>
+            <a:fld id="{DD533B64-FBBB-4C3F-B348-EE79594852DE}" type="slidenum">
+              <a:rPr lang="es-MX" smtClean="0"/>
+              <a:t>4</a:t>
+            </a:fld>
+            <a:endParaRPr lang="es-MX"/>
+          </a:p>
+        </p:txBody>
+      </p:sp>
+    </p:spTree>
+    <p:extLst>
+      <p:ext uri="{BB962C8B-B14F-4D97-AF65-F5344CB8AC3E}">
+        <p14:creationId xmlns:p14="http://schemas.microsoft.com/office/powerpoint/2010/main" val="585914543"/>
+      </p:ext>
+    </p:extLst>
+  </p:cSld>
+  <p:clrMapOvr>
+    <a:masterClrMapping/>
+  </p:clrMapOvr>
+</p:notes>
+</file>
+
+<file path=ppt/notesSlides/notesSlide2.xml><?xml version="1.0" encoding="utf-8"?>
+<p:notes xmlns:a="http://schemas.openxmlformats.org/drawingml/2006/main" xmlns:r="http://schemas.openxmlformats.org/officeDocument/2006/relationships" xmlns:p="http://schemas.openxmlformats.org/presentationml/2006/main">
+  <p:cSld>
+    <p:spTree>
+      <p:nvGrpSpPr>
+        <p:cNvPr id="1" name=""/>
+        <p:cNvGrpSpPr/>
+        <p:nvPr/>
+      </p:nvGrpSpPr>
+      <p:grpSpPr>
+        <a:xfrm>
+          <a:off x="0" y="0"/>
+          <a:ext cx="0" cy="0"/>
+          <a:chOff x="0" y="0"/>
+          <a:chExt cx="0" cy="0"/>
+        </a:xfrm>
+      </p:grpSpPr>
+      <p:sp>
+        <p:nvSpPr>
+          <p:cNvPr id="2" name="Slide Image Placeholder 1"/>
+          <p:cNvSpPr>
+            <a:spLocks noGrp="1" noRot="1" noChangeAspect="1"/>
+          </p:cNvSpPr>
+          <p:nvPr>
+            <p:ph type="sldImg"/>
+          </p:nvPr>
+        </p:nvSpPr>
+        <p:spPr/>
+      </p:sp>
+      <p:sp>
+        <p:nvSpPr>
+          <p:cNvPr id="3" name="Notes Placeholder 2"/>
+          <p:cNvSpPr>
+            <a:spLocks noGrp="1"/>
+          </p:cNvSpPr>
+          <p:nvPr>
+            <p:ph type="body" idx="1"/>
+          </p:nvPr>
+        </p:nvSpPr>
+        <p:spPr/>
+        <p:txBody>
+          <a:bodyPr/>
+          <a:lstStyle/>
+          <a:p>
+            <a:endParaRPr lang="es-MX" dirty="0"/>
+          </a:p>
+        </p:txBody>
+      </p:sp>
+      <p:sp>
+        <p:nvSpPr>
+          <p:cNvPr id="4" name="Slide Number Placeholder 3"/>
+          <p:cNvSpPr>
+            <a:spLocks noGrp="1"/>
+          </p:cNvSpPr>
+          <p:nvPr>
+            <p:ph type="sldNum" sz="quarter" idx="5"/>
+          </p:nvPr>
+        </p:nvSpPr>
+        <p:spPr/>
+        <p:txBody>
+          <a:bodyPr/>
+          <a:lstStyle/>
+          <a:p>
+            <a:fld id="{DD533B64-FBBB-4C3F-B348-EE79594852DE}" type="slidenum">
+              <a:rPr lang="es-MX" smtClean="0"/>
+              <a:t>5</a:t>
+            </a:fld>
+            <a:endParaRPr lang="es-MX"/>
+          </a:p>
+        </p:txBody>
+      </p:sp>
+    </p:spTree>
+    <p:extLst>
+      <p:ext uri="{BB962C8B-B14F-4D97-AF65-F5344CB8AC3E}">
+        <p14:creationId xmlns:p14="http://schemas.microsoft.com/office/powerpoint/2010/main" val="3789871423"/>
+      </p:ext>
+    </p:extLst>
+  </p:cSld>
+  <p:clrMapOvr>
+    <a:masterClrMapping/>
+  </p:clrMapOvr>
+</p:notes>
+</file>
+
+<file path=ppt/notesSlides/notesSlide3.xml><?xml version="1.0" encoding="utf-8"?>
+<p:notes xmlns:a="http://schemas.openxmlformats.org/drawingml/2006/main" xmlns:r="http://schemas.openxmlformats.org/officeDocument/2006/relationships" xmlns:p="http://schemas.openxmlformats.org/presentationml/2006/main">
+  <p:cSld>
+    <p:spTree>
+      <p:nvGrpSpPr>
+        <p:cNvPr id="1" name=""/>
+        <p:cNvGrpSpPr/>
+        <p:nvPr/>
+      </p:nvGrpSpPr>
+      <p:grpSpPr>
+        <a:xfrm>
+          <a:off x="0" y="0"/>
+          <a:ext cx="0" cy="0"/>
+          <a:chOff x="0" y="0"/>
+          <a:chExt cx="0" cy="0"/>
+        </a:xfrm>
+      </p:grpSpPr>
+      <p:sp>
+        <p:nvSpPr>
+          <p:cNvPr id="2" name="Slide Image Placeholder 1"/>
+          <p:cNvSpPr>
+            <a:spLocks noGrp="1" noRot="1" noChangeAspect="1"/>
+          </p:cNvSpPr>
+          <p:nvPr>
+            <p:ph type="sldImg"/>
+          </p:nvPr>
+        </p:nvSpPr>
+        <p:spPr/>
+      </p:sp>
+      <p:sp>
+        <p:nvSpPr>
+          <p:cNvPr id="3" name="Notes Placeholder 2"/>
+          <p:cNvSpPr>
+            <a:spLocks noGrp="1"/>
+          </p:cNvSpPr>
+          <p:nvPr>
+            <p:ph type="body" idx="1"/>
+          </p:nvPr>
+        </p:nvSpPr>
+        <p:spPr/>
+        <p:txBody>
+          <a:bodyPr/>
+          <a:lstStyle/>
+          <a:p>
+            <a:endParaRPr lang="es-MX" dirty="0"/>
+          </a:p>
+        </p:txBody>
+      </p:sp>
+      <p:sp>
+        <p:nvSpPr>
+          <p:cNvPr id="4" name="Slide Number Placeholder 3"/>
+          <p:cNvSpPr>
+            <a:spLocks noGrp="1"/>
+          </p:cNvSpPr>
+          <p:nvPr>
+            <p:ph type="sldNum" sz="quarter" idx="5"/>
+          </p:nvPr>
+        </p:nvSpPr>
+        <p:spPr/>
+        <p:txBody>
+          <a:bodyPr/>
+          <a:lstStyle/>
+          <a:p>
+            <a:fld id="{DD533B64-FBBB-4C3F-B348-EE79594852DE}" type="slidenum">
+              <a:rPr lang="es-MX" smtClean="0"/>
+              <a:t>6</a:t>
+            </a:fld>
+            <a:endParaRPr lang="es-MX"/>
+          </a:p>
+        </p:txBody>
+      </p:sp>
+    </p:spTree>
+    <p:extLst>
+      <p:ext uri="{BB962C8B-B14F-4D97-AF65-F5344CB8AC3E}">
+        <p14:creationId xmlns:p14="http://schemas.microsoft.com/office/powerpoint/2010/main" val="1338362513"/>
+      </p:ext>
+    </p:extLst>
+  </p:cSld>
+  <p:clrMapOvr>
+    <a:masterClrMapping/>
+  </p:clrMapOvr>
+</p:notes>
 </file>
 
 <file path=ppt/slideLayouts/slideLayout1.xml><?xml version="1.0" encoding="utf-8"?>
@@ -242,7 +855,7 @@
           <a:p>
             <a:fld id="{EDD10B79-81FE-47AE-AC0E-433167CDA4AD}" type="datetimeFigureOut">
               <a:rPr lang="es-MX" smtClean="0"/>
-              <a:t>19/08/2024</a:t>
+              <a:t>20/08/2024</a:t>
             </a:fld>
             <a:endParaRPr lang="es-MX"/>
           </a:p>
@@ -529,7 +1142,7 @@
           <a:p>
             <a:fld id="{EDD10B79-81FE-47AE-AC0E-433167CDA4AD}" type="datetimeFigureOut">
               <a:rPr lang="es-MX" smtClean="0"/>
-              <a:t>19/08/2024</a:t>
+              <a:t>20/08/2024</a:t>
             </a:fld>
             <a:endParaRPr lang="es-MX"/>
           </a:p>
@@ -721,7 +1334,7 @@
           <a:p>
             <a:fld id="{EDD10B79-81FE-47AE-AC0E-433167CDA4AD}" type="datetimeFigureOut">
               <a:rPr lang="es-MX" smtClean="0"/>
-              <a:t>19/08/2024</a:t>
+              <a:t>20/08/2024</a:t>
             </a:fld>
             <a:endParaRPr lang="es-MX"/>
           </a:p>
@@ -982,7 +1595,7 @@
           <a:p>
             <a:fld id="{EDD10B79-81FE-47AE-AC0E-433167CDA4AD}" type="datetimeFigureOut">
               <a:rPr lang="es-MX" smtClean="0"/>
-              <a:t>19/08/2024</a:t>
+              <a:t>20/08/2024</a:t>
             </a:fld>
             <a:endParaRPr lang="es-MX"/>
           </a:p>
@@ -1406,7 +2019,7 @@
           <a:p>
             <a:fld id="{EDD10B79-81FE-47AE-AC0E-433167CDA4AD}" type="datetimeFigureOut">
               <a:rPr lang="es-MX" smtClean="0"/>
-              <a:t>19/08/2024</a:t>
+              <a:t>20/08/2024</a:t>
             </a:fld>
             <a:endParaRPr lang="es-MX"/>
           </a:p>
@@ -1952,7 +2565,7 @@
           <a:p>
             <a:fld id="{EDD10B79-81FE-47AE-AC0E-433167CDA4AD}" type="datetimeFigureOut">
               <a:rPr lang="es-MX" smtClean="0"/>
-              <a:t>19/08/2024</a:t>
+              <a:t>20/08/2024</a:t>
             </a:fld>
             <a:endParaRPr lang="es-MX"/>
           </a:p>
@@ -2792,7 +3405,7 @@
           <a:p>
             <a:fld id="{EDD10B79-81FE-47AE-AC0E-433167CDA4AD}" type="datetimeFigureOut">
               <a:rPr lang="es-MX" smtClean="0"/>
-              <a:t>19/08/2024</a:t>
+              <a:t>20/08/2024</a:t>
             </a:fld>
             <a:endParaRPr lang="es-MX"/>
           </a:p>
@@ -2962,7 +3575,7 @@
           <a:p>
             <a:fld id="{EDD10B79-81FE-47AE-AC0E-433167CDA4AD}" type="datetimeFigureOut">
               <a:rPr lang="es-MX" smtClean="0"/>
-              <a:t>19/08/2024</a:t>
+              <a:t>20/08/2024</a:t>
             </a:fld>
             <a:endParaRPr lang="es-MX"/>
           </a:p>
@@ -3146,7 +3759,7 @@
           <a:p>
             <a:fld id="{EDD10B79-81FE-47AE-AC0E-433167CDA4AD}" type="datetimeFigureOut">
               <a:rPr lang="es-MX" smtClean="0"/>
-              <a:t>19/08/2024</a:t>
+              <a:t>20/08/2024</a:t>
             </a:fld>
             <a:endParaRPr lang="es-MX"/>
           </a:p>
@@ -3316,7 +3929,7 @@
           <a:p>
             <a:fld id="{EDD10B79-81FE-47AE-AC0E-433167CDA4AD}" type="datetimeFigureOut">
               <a:rPr lang="es-MX" smtClean="0"/>
-              <a:t>19/08/2024</a:t>
+              <a:t>20/08/2024</a:t>
             </a:fld>
             <a:endParaRPr lang="es-MX"/>
           </a:p>
@@ -3564,7 +4177,7 @@
           <a:p>
             <a:fld id="{EDD10B79-81FE-47AE-AC0E-433167CDA4AD}" type="datetimeFigureOut">
               <a:rPr lang="es-MX" smtClean="0"/>
-              <a:t>19/08/2024</a:t>
+              <a:t>20/08/2024</a:t>
             </a:fld>
             <a:endParaRPr lang="es-MX"/>
           </a:p>
@@ -3801,7 +4414,7 @@
           <a:p>
             <a:fld id="{EDD10B79-81FE-47AE-AC0E-433167CDA4AD}" type="datetimeFigureOut">
               <a:rPr lang="es-MX" smtClean="0"/>
-              <a:t>19/08/2024</a:t>
+              <a:t>20/08/2024</a:t>
             </a:fld>
             <a:endParaRPr lang="es-MX"/>
           </a:p>
@@ -4174,7 +4787,7 @@
           <a:p>
             <a:fld id="{EDD10B79-81FE-47AE-AC0E-433167CDA4AD}" type="datetimeFigureOut">
               <a:rPr lang="es-MX" smtClean="0"/>
-              <a:t>19/08/2024</a:t>
+              <a:t>20/08/2024</a:t>
             </a:fld>
             <a:endParaRPr lang="es-MX"/>
           </a:p>
@@ -4292,7 +4905,7 @@
           <a:p>
             <a:fld id="{EDD10B79-81FE-47AE-AC0E-433167CDA4AD}" type="datetimeFigureOut">
               <a:rPr lang="es-MX" smtClean="0"/>
-              <a:t>19/08/2024</a:t>
+              <a:t>20/08/2024</a:t>
             </a:fld>
             <a:endParaRPr lang="es-MX"/>
           </a:p>
@@ -4387,7 +5000,7 @@
           <a:p>
             <a:fld id="{EDD10B79-81FE-47AE-AC0E-433167CDA4AD}" type="datetimeFigureOut">
               <a:rPr lang="es-MX" smtClean="0"/>
-              <a:t>19/08/2024</a:t>
+              <a:t>20/08/2024</a:t>
             </a:fld>
             <a:endParaRPr lang="es-MX"/>
           </a:p>
@@ -4638,7 +5251,7 @@
           <a:p>
             <a:fld id="{EDD10B79-81FE-47AE-AC0E-433167CDA4AD}" type="datetimeFigureOut">
               <a:rPr lang="es-MX" smtClean="0"/>
-              <a:t>19/08/2024</a:t>
+              <a:t>20/08/2024</a:t>
             </a:fld>
             <a:endParaRPr lang="es-MX"/>
           </a:p>
@@ -4925,7 +5538,7 @@
           <a:p>
             <a:fld id="{EDD10B79-81FE-47AE-AC0E-433167CDA4AD}" type="datetimeFigureOut">
               <a:rPr lang="es-MX" smtClean="0"/>
-              <a:t>19/08/2024</a:t>
+              <a:t>20/08/2024</a:t>
             </a:fld>
             <a:endParaRPr lang="es-MX"/>
           </a:p>
@@ -5138,7 +5751,7 @@
           <a:p>
             <a:fld id="{EDD10B79-81FE-47AE-AC0E-433167CDA4AD}" type="datetimeFigureOut">
               <a:rPr lang="es-MX" smtClean="0"/>
-              <a:t>19/08/2024</a:t>
+              <a:t>20/08/2024</a:t>
             </a:fld>
             <a:endParaRPr lang="es-MX"/>
           </a:p>
@@ -5701,6 +6314,28 @@
 <file path=ppt/slides/slide2.xml><?xml version="1.0" encoding="utf-8"?>
 <p:sld xmlns:a="http://schemas.openxmlformats.org/drawingml/2006/main" xmlns:r="http://schemas.openxmlformats.org/officeDocument/2006/relationships" xmlns:p="http://schemas.openxmlformats.org/presentationml/2006/main">
   <p:cSld>
+    <p:bg>
+      <p:bgPr>
+        <a:blipFill rotWithShape="1">
+          <a:blip r:embed="rId2">
+            <a:duotone>
+              <a:schemeClr val="bg2">
+                <a:shade val="18000"/>
+                <a:satMod val="160000"/>
+                <a:lumMod val="28000"/>
+              </a:schemeClr>
+              <a:schemeClr val="bg2">
+                <a:tint val="95000"/>
+                <a:satMod val="160000"/>
+                <a:lumMod val="116000"/>
+              </a:schemeClr>
+            </a:duotone>
+          </a:blip>
+          <a:stretch/>
+        </a:blipFill>
+        <a:effectLst/>
+      </p:bgPr>
+    </p:bg>
     <p:spTree>
       <p:nvGrpSpPr>
         <p:cNvPr id="1" name=""/>
@@ -5715,53 +6350,66 @@
           <a:chExt cx="0" cy="0"/>
         </a:xfrm>
       </p:grpSpPr>
-      <p:pic>
-        <p:nvPicPr>
-          <p:cNvPr id="1034" name="Picture 10" descr="Epson Ecotank Impresora a Color L1250">
+      <p:sp useBgFill="1">
+        <p:nvSpPr>
+          <p:cNvPr id="1039" name="Rectangle 1038">
             <a:extLst>
               <a:ext uri="{FF2B5EF4-FFF2-40B4-BE49-F238E27FC236}">
-                <a16:creationId xmlns:a16="http://schemas.microsoft.com/office/drawing/2014/main" id="{96B722D7-4399-DC3B-51D5-731EDCABA4EC}"/>
+                <a16:creationId xmlns:a16="http://schemas.microsoft.com/office/drawing/2014/main" id="{A7A59776-5948-400C-9935-7464561E876A}"/>
+              </a:ext>
+              <a:ext uri="{C183D7F6-B498-43B3-948B-1728B52AA6E4}">
+                <adec:decorative xmlns:adec="http://schemas.microsoft.com/office/drawing/2017/decorative" val="1"/>
               </a:ext>
             </a:extLst>
           </p:cNvPr>
-          <p:cNvPicPr>
-            <a:picLocks noChangeAspect="1" noChangeArrowheads="1"/>
-          </p:cNvPicPr>
-          <p:nvPr/>
-        </p:nvPicPr>
-        <p:blipFill>
-          <a:blip r:embed="rId2">
-            <a:extLst>
-              <a:ext uri="{28A0092B-C50C-407E-A947-70E740481C1C}">
-                <a14:useLocalDpi xmlns:a14="http://schemas.microsoft.com/office/drawing/2010/main" val="0"/>
-              </a:ext>
-            </a:extLst>
-          </a:blip>
-          <a:srcRect/>
-          <a:stretch>
-            <a:fillRect/>
-          </a:stretch>
-        </p:blipFill>
-        <p:spPr bwMode="auto">
+          <p:cNvSpPr>
+            <a:spLocks noGrp="1" noRot="1" noChangeAspect="1" noMove="1" noResize="1" noEditPoints="1" noAdjustHandles="1" noChangeArrowheads="1" noChangeShapeType="1" noTextEdit="1"/>
+          </p:cNvSpPr>
+          <p:nvPr>
+            <p:extLst>
+              <p:ext uri="{386F3935-93C4-4BCD-93E2-E3B085C9AB24}">
+                <p16:designElem xmlns:p16="http://schemas.microsoft.com/office/powerpoint/2015/main" val="1"/>
+              </p:ext>
+            </p:extLst>
+          </p:nvPr>
+        </p:nvSpPr>
+        <p:spPr>
           <a:xfrm>
-            <a:off x="8579981" y="3716801"/>
-            <a:ext cx="2978150" cy="2730972"/>
+            <a:off x="0" y="0"/>
+            <a:ext cx="12192000" cy="6858000"/>
           </a:xfrm>
           <a:prstGeom prst="rect">
             <a:avLst/>
           </a:prstGeom>
-          <a:noFill/>
-          <a:extLst>
-            <a:ext uri="{909E8E84-426E-40DD-AFC4-6F175D3DCCD1}">
-              <a14:hiddenFill xmlns:a14="http://schemas.microsoft.com/office/drawing/2010/main">
-                <a:solidFill>
-                  <a:srgbClr val="FFFFFF"/>
-                </a:solidFill>
-              </a14:hiddenFill>
-            </a:ext>
-          </a:extLst>
+          <a:ln>
+            <a:noFill/>
+          </a:ln>
         </p:spPr>
-      </p:pic>
+        <p:style>
+          <a:lnRef idx="2">
+            <a:schemeClr val="accent1">
+              <a:shade val="50000"/>
+            </a:schemeClr>
+          </a:lnRef>
+          <a:fillRef idx="1">
+            <a:schemeClr val="accent1"/>
+          </a:fillRef>
+          <a:effectRef idx="0">
+            <a:schemeClr val="accent1"/>
+          </a:effectRef>
+          <a:fontRef idx="minor">
+            <a:schemeClr val="lt1"/>
+          </a:fontRef>
+        </p:style>
+        <p:txBody>
+          <a:bodyPr rtlCol="0" anchor="ctr"/>
+          <a:lstStyle/>
+          <a:p>
+            <a:pPr algn="ctr"/>
+            <a:endParaRPr lang="en-US"/>
+          </a:p>
+        </p:txBody>
+      </p:sp>
       <p:sp>
         <p:nvSpPr>
           <p:cNvPr id="2" name="Title 1">
@@ -5778,18 +6426,22 @@
             <p:ph type="title"/>
           </p:nvPr>
         </p:nvSpPr>
-        <p:spPr/>
-        <p:txBody>
-          <a:bodyPr>
+        <p:spPr>
+          <a:xfrm>
+            <a:off x="895353" y="609600"/>
+            <a:ext cx="3108960" cy="2362610"/>
+          </a:xfrm>
+        </p:spPr>
+        <p:txBody>
+          <a:bodyPr vert="horz" lIns="91440" tIns="45720" rIns="91440" bIns="45720" rtlCol="0" anchor="ctr">
             <a:normAutofit/>
           </a:bodyPr>
           <a:lstStyle/>
           <a:p>
             <a:r>
-              <a:rPr lang="en-US" sz="4400" dirty="0"/>
+              <a:rPr lang="en-US" sz="4000" dirty="0"/>
               <a:t>Que es un endpoint</a:t>
             </a:r>
-            <a:endParaRPr lang="es-MX" sz="4400" dirty="0"/>
           </a:p>
         </p:txBody>
       </p:sp>
@@ -5811,37 +6463,109 @@
         </p:nvSpPr>
         <p:spPr>
           <a:xfrm>
-            <a:off x="797168" y="2719754"/>
-            <a:ext cx="5298831" cy="3528646"/>
+            <a:off x="4537923" y="609601"/>
+            <a:ext cx="6628583" cy="2362610"/>
           </a:xfrm>
         </p:spPr>
         <p:txBody>
-          <a:bodyPr>
-            <a:normAutofit lnSpcReduction="10000"/>
+          <a:bodyPr vert="horz" lIns="91440" tIns="45720" rIns="91440" bIns="45720" rtlCol="0" anchor="ctr">
+            <a:normAutofit/>
           </a:bodyPr>
           <a:lstStyle/>
           <a:p>
             <a:r>
-              <a:rPr lang="es-MX" sz="2800" dirty="0"/>
-              <a:t>En ciberseguridad y redes, un </a:t>
-            </a:r>
-            <a:r>
-              <a:rPr lang="es-MX" sz="2800" dirty="0" err="1"/>
-              <a:t>endpoint</a:t>
-            </a:r>
-            <a:r>
-              <a:rPr lang="es-MX" sz="2800" dirty="0"/>
-              <a:t> se refiere a cualquier dispositivo final que se conecta a una red y que puede ser un punto de entrada o salida para la comunicación de datos.</a:t>
+              <a:rPr lang="en-US" dirty="0"/>
+              <a:t>En </a:t>
+            </a:r>
+            <a:r>
+              <a:rPr lang="en-US" dirty="0" err="1"/>
+              <a:t>ciberseguridad</a:t>
+            </a:r>
+            <a:r>
+              <a:rPr lang="en-US" dirty="0"/>
+              <a:t> y redes, un endpoint se </a:t>
+            </a:r>
+            <a:r>
+              <a:rPr lang="en-US" dirty="0" err="1"/>
+              <a:t>refiere</a:t>
+            </a:r>
+            <a:r>
+              <a:rPr lang="en-US" dirty="0"/>
+              <a:t> a </a:t>
+            </a:r>
+            <a:r>
+              <a:rPr lang="en-US" dirty="0" err="1"/>
+              <a:t>cualquier</a:t>
+            </a:r>
+            <a:r>
+              <a:rPr lang="en-US" dirty="0"/>
+              <a:t> </a:t>
+            </a:r>
+            <a:r>
+              <a:rPr lang="en-US" dirty="0" err="1"/>
+              <a:t>dispositivo</a:t>
+            </a:r>
+            <a:r>
+              <a:rPr lang="en-US" dirty="0"/>
+              <a:t> final que se </a:t>
+            </a:r>
+            <a:r>
+              <a:rPr lang="en-US" dirty="0" err="1"/>
+              <a:t>conecta</a:t>
+            </a:r>
+            <a:r>
+              <a:rPr lang="en-US" dirty="0"/>
+              <a:t> a </a:t>
+            </a:r>
+            <a:r>
+              <a:rPr lang="en-US" dirty="0" err="1"/>
+              <a:t>una</a:t>
+            </a:r>
+            <a:r>
+              <a:rPr lang="en-US" dirty="0"/>
+              <a:t> red y que </a:t>
+            </a:r>
+            <a:r>
+              <a:rPr lang="en-US" dirty="0" err="1"/>
+              <a:t>puede</a:t>
+            </a:r>
+            <a:r>
+              <a:rPr lang="en-US" dirty="0"/>
+              <a:t> ser un punto de entrada o </a:t>
+            </a:r>
+            <a:r>
+              <a:rPr lang="en-US" dirty="0" err="1"/>
+              <a:t>salida</a:t>
+            </a:r>
+            <a:r>
+              <a:rPr lang="en-US" dirty="0"/>
+              <a:t> para la </a:t>
+            </a:r>
+            <a:r>
+              <a:rPr lang="en-US" dirty="0" err="1"/>
+              <a:t>comunicación</a:t>
+            </a:r>
+            <a:r>
+              <a:rPr lang="en-US" dirty="0"/>
+              <a:t> de </a:t>
+            </a:r>
+            <a:r>
+              <a:rPr lang="en-US" dirty="0" err="1"/>
+              <a:t>datos</a:t>
+            </a:r>
+            <a:r>
+              <a:rPr lang="en-US" dirty="0"/>
+              <a:t>.</a:t>
             </a:r>
           </a:p>
         </p:txBody>
       </p:sp>
       <p:pic>
         <p:nvPicPr>
-          <p:cNvPr id="1030" name="Picture 6" descr="Estos son los celulares más vendidos en México">
+          <p:cNvPr id="1034" name="Picture 10" descr="Epson Ecotank Impresora a Color L1250">
             <a:extLst>
               <a:ext uri="{FF2B5EF4-FFF2-40B4-BE49-F238E27FC236}">
-                <a16:creationId xmlns:a16="http://schemas.microsoft.com/office/drawing/2014/main" id="{8E1B90A2-251F-A897-13DE-AA03DBB1F63E}"/>
+                <a16:creationId xmlns:a16="http://schemas.microsoft.com/office/drawing/2014/main" id="{96B722D7-4399-DC3B-51D5-731EDCABA4EC}"/>
               </a:ext>
             </a:extLst>
           </p:cNvPr>
@@ -5858,20 +6582,91 @@
               </a:ext>
             </a:extLst>
           </a:blip>
-          <a:srcRect/>
-          <a:stretch>
-            <a:fillRect/>
-          </a:stretch>
+          <a:srcRect t="12639" r="-4" b="-4"/>
+          <a:stretch/>
         </p:blipFill>
         <p:spPr bwMode="auto">
           <a:xfrm>
-            <a:off x="6090675" y="2719754"/>
-            <a:ext cx="3323492" cy="1994095"/>
+            <a:off x="895352" y="3225959"/>
+            <a:ext cx="3340921" cy="2677887"/>
           </a:xfrm>
-          <a:prstGeom prst="rect">
-            <a:avLst/>
+          <a:prstGeom prst="roundRect">
+            <a:avLst>
+              <a:gd name="adj" fmla="val 0"/>
+            </a:avLst>
           </a:prstGeom>
           <a:noFill/>
+          <a:ln w="38100">
+            <a:solidFill>
+              <a:schemeClr val="tx1"/>
+            </a:solidFill>
+          </a:ln>
+          <a:effectLst>
+            <a:innerShdw blurRad="57150" dist="38100" dir="14460000">
+              <a:srgbClr val="000000">
+                <a:alpha val="70000"/>
+              </a:srgbClr>
+            </a:innerShdw>
+          </a:effectLst>
+          <a:extLst>
+            <a:ext uri="{909E8E84-426E-40DD-AFC4-6F175D3DCCD1}">
+              <a14:hiddenFill xmlns:a14="http://schemas.microsoft.com/office/drawing/2010/main">
+                <a:solidFill>
+                  <a:srgbClr val="FFFFFF"/>
+                </a:solidFill>
+              </a14:hiddenFill>
+            </a:ext>
+          </a:extLst>
+        </p:spPr>
+      </p:pic>
+      <p:pic>
+        <p:nvPicPr>
+          <p:cNvPr id="1030" name="Picture 6" descr="Estos son los celulares más vendidos en México">
+            <a:extLst>
+              <a:ext uri="{FF2B5EF4-FFF2-40B4-BE49-F238E27FC236}">
+                <a16:creationId xmlns:a16="http://schemas.microsoft.com/office/drawing/2014/main" id="{8E1B90A2-251F-A897-13DE-AA03DBB1F63E}"/>
+              </a:ext>
+            </a:extLst>
+          </p:cNvPr>
+          <p:cNvPicPr>
+            <a:picLocks noChangeAspect="1" noChangeArrowheads="1"/>
+          </p:cNvPicPr>
+          <p:nvPr/>
+        </p:nvPicPr>
+        <p:blipFill>
+          <a:blip r:embed="rId4">
+            <a:extLst>
+              <a:ext uri="{28A0092B-C50C-407E-A947-70E740481C1C}">
+                <a14:useLocalDpi xmlns:a14="http://schemas.microsoft.com/office/drawing/2010/main" val="0"/>
+              </a:ext>
+            </a:extLst>
+          </a:blip>
+          <a:srcRect l="11488" r="13732" b="1"/>
+          <a:stretch/>
+        </p:blipFill>
+        <p:spPr bwMode="auto">
+          <a:xfrm>
+            <a:off x="4413020" y="3225959"/>
+            <a:ext cx="3337560" cy="2677887"/>
+          </a:xfrm>
+          <a:prstGeom prst="roundRect">
+            <a:avLst>
+              <a:gd name="adj" fmla="val 0"/>
+            </a:avLst>
+          </a:prstGeom>
+          <a:noFill/>
+          <a:ln w="38100">
+            <a:solidFill>
+              <a:schemeClr val="tx1"/>
+            </a:solidFill>
+          </a:ln>
+          <a:effectLst>
+            <a:innerShdw blurRad="57150" dist="38100" dir="14460000">
+              <a:srgbClr val="000000">
+                <a:alpha val="70000"/>
+              </a:srgbClr>
+            </a:innerShdw>
+          </a:effectLst>
           <a:extLst>
             <a:ext uri="{909E8E84-426E-40DD-AFC4-6F175D3DCCD1}">
               <a14:hiddenFill xmlns:a14="http://schemas.microsoft.com/office/drawing/2010/main">
@@ -5900,27 +6695,39 @@
           </p:nvPr>
         </p:nvPicPr>
         <p:blipFill>
-          <a:blip r:embed="rId4">
+          <a:blip r:embed="rId5">
             <a:extLst>
               <a:ext uri="{28A0092B-C50C-407E-A947-70E740481C1C}">
                 <a14:useLocalDpi xmlns:a14="http://schemas.microsoft.com/office/drawing/2010/main" val="0"/>
               </a:ext>
             </a:extLst>
           </a:blip>
-          <a:srcRect/>
-          <a:stretch>
-            <a:fillRect/>
-          </a:stretch>
+          <a:srcRect l="16806" r="5" b="5"/>
+          <a:stretch/>
         </p:blipFill>
         <p:spPr bwMode="auto">
           <a:xfrm>
-            <a:off x="8579981" y="1652665"/>
-            <a:ext cx="3096204" cy="2064136"/>
+            <a:off x="7927327" y="3225959"/>
+            <a:ext cx="3337560" cy="2677887"/>
           </a:xfrm>
-          <a:prstGeom prst="rect">
-            <a:avLst/>
+          <a:prstGeom prst="roundRect">
+            <a:avLst>
+              <a:gd name="adj" fmla="val 0"/>
+            </a:avLst>
           </a:prstGeom>
           <a:noFill/>
+          <a:ln w="38100">
+            <a:solidFill>
+              <a:schemeClr val="tx1"/>
+            </a:solidFill>
+          </a:ln>
+          <a:effectLst>
+            <a:innerShdw blurRad="57150" dist="38100" dir="14460000">
+              <a:srgbClr val="000000">
+                <a:alpha val="70000"/>
+              </a:srgbClr>
+            </a:innerShdw>
+          </a:effectLst>
           <a:extLst>
             <a:ext uri="{909E8E84-426E-40DD-AFC4-6F175D3DCCD1}">
               <a14:hiddenFill xmlns:a14="http://schemas.microsoft.com/office/drawing/2010/main">
@@ -5948,6 +6755,28 @@
 <file path=ppt/slides/slide3.xml><?xml version="1.0" encoding="utf-8"?>
 <p:sld xmlns:a="http://schemas.openxmlformats.org/drawingml/2006/main" xmlns:r="http://schemas.openxmlformats.org/officeDocument/2006/relationships" xmlns:p="http://schemas.openxmlformats.org/presentationml/2006/main">
   <p:cSld>
+    <p:bg>
+      <p:bgPr>
+        <a:blipFill rotWithShape="1">
+          <a:blip r:embed="rId2">
+            <a:duotone>
+              <a:schemeClr val="bg2">
+                <a:shade val="18000"/>
+                <a:satMod val="160000"/>
+                <a:lumMod val="28000"/>
+              </a:schemeClr>
+              <a:schemeClr val="bg2">
+                <a:tint val="95000"/>
+                <a:satMod val="160000"/>
+                <a:lumMod val="116000"/>
+              </a:schemeClr>
+            </a:duotone>
+          </a:blip>
+          <a:stretch/>
+        </a:blipFill>
+        <a:effectLst/>
+      </p:bgPr>
+    </p:bg>
     <p:spTree>
       <p:nvGrpSpPr>
         <p:cNvPr id="1" name=""/>
@@ -5978,62 +6807,23 @@
             <p:ph type="title"/>
           </p:nvPr>
         </p:nvSpPr>
-        <p:spPr/>
-        <p:txBody>
-          <a:bodyPr>
+        <p:spPr>
+          <a:xfrm>
+            <a:off x="8154444" y="609600"/>
+            <a:ext cx="3113112" cy="1326321"/>
+          </a:xfrm>
+        </p:spPr>
+        <p:txBody>
+          <a:bodyPr vert="horz" lIns="91440" tIns="45720" rIns="91440" bIns="45720" rtlCol="0" anchor="ctr">
             <a:normAutofit/>
           </a:bodyPr>
           <a:lstStyle/>
           <a:p>
-            <a:r>
-              <a:rPr lang="en-US" sz="4400" dirty="0"/>
-              <a:t>Que es un endpoint</a:t>
-            </a:r>
-            <a:endParaRPr lang="es-MX" sz="4400" dirty="0"/>
-          </a:p>
-        </p:txBody>
-      </p:sp>
-      <p:sp>
-        <p:nvSpPr>
-          <p:cNvPr id="4" name="Content Placeholder 3">
-            <a:extLst>
-              <a:ext uri="{FF2B5EF4-FFF2-40B4-BE49-F238E27FC236}">
-                <a16:creationId xmlns:a16="http://schemas.microsoft.com/office/drawing/2014/main" id="{AB3A6F46-070A-8F0E-15AE-0C623848A536}"/>
-              </a:ext>
-            </a:extLst>
-          </p:cNvPr>
-          <p:cNvSpPr>
-            <a:spLocks noGrp="1"/>
-          </p:cNvSpPr>
-          <p:nvPr>
-            <p:ph sz="half" idx="2"/>
-          </p:nvPr>
-        </p:nvSpPr>
-        <p:spPr>
-          <a:xfrm>
-            <a:off x="797168" y="2719754"/>
-            <a:ext cx="5298831" cy="3528646"/>
-          </a:xfrm>
-        </p:spPr>
-        <p:txBody>
-          <a:bodyPr>
-            <a:normAutofit lnSpcReduction="10000"/>
-          </a:bodyPr>
-          <a:lstStyle/>
-          <a:p>
-            <a:r>
-              <a:rPr lang="es-MX" sz="3200" dirty="0"/>
-              <a:t>Los </a:t>
-            </a:r>
-            <a:r>
-              <a:rPr lang="es-MX" sz="3200" dirty="0" err="1"/>
-              <a:t>endpoints</a:t>
-            </a:r>
-            <a:r>
-              <a:rPr lang="es-MX" sz="3200" dirty="0"/>
-              <a:t> son críticos porque son los puntos donde las amenazas pueden entrar en una red y donde se requiere protección.</a:t>
-            </a:r>
-            <a:endParaRPr lang="es-MX" sz="3600" dirty="0"/>
+            <a:pPr algn="l"/>
+            <a:r>
+              <a:rPr lang="en-US" sz="2900"/>
+              <a:t>Su importancia</a:t>
+            </a:r>
           </a:p>
         </p:txBody>
       </p:sp>
@@ -6054,22 +6844,20 @@
           </p:nvPr>
         </p:nvPicPr>
         <p:blipFill>
-          <a:blip r:embed="rId2">
+          <a:blip r:embed="rId3">
             <a:extLst>
               <a:ext uri="{28A0092B-C50C-407E-A947-70E740481C1C}">
                 <a14:useLocalDpi xmlns:a14="http://schemas.microsoft.com/office/drawing/2010/main" val="0"/>
               </a:ext>
             </a:extLst>
           </a:blip>
-          <a:srcRect/>
-          <a:stretch>
-            <a:fillRect/>
-          </a:stretch>
+          <a:srcRect l="18100" r="18849" b="1"/>
+          <a:stretch/>
         </p:blipFill>
         <p:spPr bwMode="auto">
           <a:xfrm>
-            <a:off x="6458294" y="2614246"/>
-            <a:ext cx="5216059" cy="2981847"/>
+            <a:off x="20" y="10"/>
+            <a:ext cx="7552924" cy="6857990"/>
           </a:xfrm>
           <a:prstGeom prst="rect">
             <a:avLst/>
@@ -6086,10 +6874,1296 @@
           </a:extLst>
         </p:spPr>
       </p:pic>
+      <p:sp>
+        <p:nvSpPr>
+          <p:cNvPr id="4" name="Content Placeholder 3">
+            <a:extLst>
+              <a:ext uri="{FF2B5EF4-FFF2-40B4-BE49-F238E27FC236}">
+                <a16:creationId xmlns:a16="http://schemas.microsoft.com/office/drawing/2014/main" id="{AB3A6F46-070A-8F0E-15AE-0C623848A536}"/>
+              </a:ext>
+            </a:extLst>
+          </p:cNvPr>
+          <p:cNvSpPr>
+            <a:spLocks noGrp="1"/>
+          </p:cNvSpPr>
+          <p:nvPr>
+            <p:ph sz="half" idx="2"/>
+          </p:nvPr>
+        </p:nvSpPr>
+        <p:spPr>
+          <a:xfrm>
+            <a:off x="8154444" y="2096064"/>
+            <a:ext cx="3113112" cy="4152336"/>
+          </a:xfrm>
+        </p:spPr>
+        <p:txBody>
+          <a:bodyPr vert="horz" lIns="91440" tIns="45720" rIns="91440" bIns="45720" rtlCol="0">
+            <a:normAutofit fontScale="92500" lnSpcReduction="10000"/>
+          </a:bodyPr>
+          <a:lstStyle/>
+          <a:p>
+            <a:r>
+              <a:rPr lang="en-US" sz="2800" dirty="0"/>
+              <a:t>Los endpoints son </a:t>
+            </a:r>
+            <a:r>
+              <a:rPr lang="en-US" sz="2800" dirty="0" err="1"/>
+              <a:t>críticos</a:t>
+            </a:r>
+            <a:r>
+              <a:rPr lang="en-US" sz="2800" dirty="0"/>
+              <a:t> </a:t>
+            </a:r>
+            <a:r>
+              <a:rPr lang="en-US" sz="2800" dirty="0" err="1"/>
+              <a:t>porque</a:t>
+            </a:r>
+            <a:r>
+              <a:rPr lang="en-US" sz="2800" dirty="0"/>
+              <a:t> son </a:t>
+            </a:r>
+            <a:r>
+              <a:rPr lang="en-US" sz="2800" dirty="0" err="1"/>
+              <a:t>los</a:t>
+            </a:r>
+            <a:r>
+              <a:rPr lang="en-US" sz="2800" dirty="0"/>
+              <a:t> puntos </a:t>
+            </a:r>
+            <a:r>
+              <a:rPr lang="en-US" sz="2800" dirty="0" err="1"/>
+              <a:t>donde</a:t>
+            </a:r>
+            <a:r>
+              <a:rPr lang="en-US" sz="2800" dirty="0"/>
+              <a:t> las </a:t>
+            </a:r>
+            <a:r>
+              <a:rPr lang="en-US" sz="2800" dirty="0" err="1"/>
+              <a:t>amenazas</a:t>
+            </a:r>
+            <a:r>
+              <a:rPr lang="en-US" sz="2800" dirty="0"/>
+              <a:t> </a:t>
+            </a:r>
+            <a:r>
+              <a:rPr lang="en-US" sz="2800" dirty="0" err="1"/>
+              <a:t>pueden</a:t>
+            </a:r>
+            <a:r>
+              <a:rPr lang="en-US" sz="2800" dirty="0"/>
+              <a:t> </a:t>
+            </a:r>
+            <a:r>
+              <a:rPr lang="en-US" sz="2800" dirty="0" err="1"/>
+              <a:t>entrar</a:t>
+            </a:r>
+            <a:r>
+              <a:rPr lang="en-US" sz="2800" dirty="0"/>
+              <a:t> </a:t>
+            </a:r>
+            <a:r>
+              <a:rPr lang="en-US" sz="2800" dirty="0" err="1"/>
+              <a:t>en</a:t>
+            </a:r>
+            <a:r>
+              <a:rPr lang="en-US" sz="2800" dirty="0"/>
+              <a:t> </a:t>
+            </a:r>
+            <a:r>
+              <a:rPr lang="en-US" sz="2800" dirty="0" err="1"/>
+              <a:t>una</a:t>
+            </a:r>
+            <a:r>
+              <a:rPr lang="en-US" sz="2800" dirty="0"/>
+              <a:t> red y </a:t>
+            </a:r>
+            <a:r>
+              <a:rPr lang="en-US" sz="2800" dirty="0" err="1"/>
+              <a:t>donde</a:t>
+            </a:r>
+            <a:r>
+              <a:rPr lang="en-US" sz="2800" dirty="0"/>
+              <a:t> se </a:t>
+            </a:r>
+            <a:r>
+              <a:rPr lang="en-US" sz="2800" dirty="0" err="1"/>
+              <a:t>requiere</a:t>
+            </a:r>
+            <a:r>
+              <a:rPr lang="en-US" sz="2800" dirty="0"/>
+              <a:t> </a:t>
+            </a:r>
+            <a:r>
+              <a:rPr lang="en-US" sz="2800" dirty="0" err="1"/>
+              <a:t>protección</a:t>
+            </a:r>
+            <a:r>
+              <a:rPr lang="en-US" sz="2800" dirty="0"/>
+              <a:t>.</a:t>
+            </a:r>
+          </a:p>
+        </p:txBody>
+      </p:sp>
+      <p:cxnSp>
+        <p:nvCxnSpPr>
+          <p:cNvPr id="2057" name="Straight Connector 2056">
+            <a:extLst>
+              <a:ext uri="{FF2B5EF4-FFF2-40B4-BE49-F238E27FC236}">
+                <a16:creationId xmlns:a16="http://schemas.microsoft.com/office/drawing/2014/main" id="{A4F35239-EB86-4ACB-91DE-4989620C2C1A}"/>
+              </a:ext>
+              <a:ext uri="{C183D7F6-B498-43B3-948B-1728B52AA6E4}">
+                <adec:decorative xmlns:adec="http://schemas.microsoft.com/office/drawing/2017/decorative" val="1"/>
+              </a:ext>
+            </a:extLst>
+          </p:cNvPr>
+          <p:cNvCxnSpPr>
+            <a:cxnSpLocks noGrp="1" noRot="1" noChangeAspect="1" noMove="1" noResize="1" noEditPoints="1" noAdjustHandles="1" noChangeArrowheads="1" noChangeShapeType="1"/>
+          </p:cNvCxnSpPr>
+          <p:nvPr>
+            <p:extLst>
+              <p:ext uri="{386F3935-93C4-4BCD-93E2-E3B085C9AB24}">
+                <p16:designElem xmlns:p16="http://schemas.microsoft.com/office/powerpoint/2015/main" val="1"/>
+              </p:ext>
+            </p:extLst>
+          </p:nvPr>
+        </p:nvCxnSpPr>
+        <p:spPr>
+          <a:xfrm>
+            <a:off x="7592090" y="45720"/>
+            <a:ext cx="0" cy="6766560"/>
+          </a:xfrm>
+          <a:prstGeom prst="line">
+            <a:avLst/>
+          </a:prstGeom>
+          <a:ln w="190500" cap="sq">
+            <a:solidFill>
+              <a:srgbClr val="FFFFFF"/>
+            </a:solidFill>
+            <a:miter lim="800000"/>
+          </a:ln>
+          <a:scene3d>
+            <a:camera prst="orthographicFront"/>
+            <a:lightRig rig="twoPt" dir="t">
+              <a:rot lat="0" lon="0" rev="7200000"/>
+            </a:lightRig>
+          </a:scene3d>
+          <a:sp3d>
+            <a:bevelT w="25400" h="19050"/>
+          </a:sp3d>
+        </p:spPr>
+        <p:style>
+          <a:lnRef idx="1">
+            <a:schemeClr val="accent1"/>
+          </a:lnRef>
+          <a:fillRef idx="0">
+            <a:schemeClr val="accent1"/>
+          </a:fillRef>
+          <a:effectRef idx="0">
+            <a:schemeClr val="accent1"/>
+          </a:effectRef>
+          <a:fontRef idx="minor">
+            <a:schemeClr val="tx1"/>
+          </a:fontRef>
+        </p:style>
+      </p:cxnSp>
     </p:spTree>
     <p:extLst>
       <p:ext uri="{BB962C8B-B14F-4D97-AF65-F5344CB8AC3E}">
         <p14:creationId xmlns:p14="http://schemas.microsoft.com/office/powerpoint/2010/main" val="1036464025"/>
+      </p:ext>
+    </p:extLst>
+  </p:cSld>
+  <p:clrMapOvr>
+    <a:masterClrMapping/>
+  </p:clrMapOvr>
+</p:sld>
+</file>
+
+<file path=ppt/slides/slide4.xml><?xml version="1.0" encoding="utf-8"?>
+<p:sld xmlns:a="http://schemas.openxmlformats.org/drawingml/2006/main" xmlns:r="http://schemas.openxmlformats.org/officeDocument/2006/relationships" xmlns:p="http://schemas.openxmlformats.org/presentationml/2006/main">
+  <p:cSld>
+    <p:bg>
+      <p:bgPr>
+        <a:blipFill rotWithShape="1">
+          <a:blip r:embed="rId3">
+            <a:duotone>
+              <a:schemeClr val="bg2">
+                <a:shade val="18000"/>
+                <a:satMod val="160000"/>
+                <a:lumMod val="28000"/>
+              </a:schemeClr>
+              <a:schemeClr val="bg2">
+                <a:tint val="95000"/>
+                <a:satMod val="160000"/>
+                <a:lumMod val="116000"/>
+              </a:schemeClr>
+            </a:duotone>
+          </a:blip>
+          <a:stretch/>
+        </a:blipFill>
+        <a:effectLst/>
+      </p:bgPr>
+    </p:bg>
+    <p:spTree>
+      <p:nvGrpSpPr>
+        <p:cNvPr id="1" name=""/>
+        <p:cNvGrpSpPr/>
+        <p:nvPr/>
+      </p:nvGrpSpPr>
+      <p:grpSpPr>
+        <a:xfrm>
+          <a:off x="0" y="0"/>
+          <a:ext cx="0" cy="0"/>
+          <a:chOff x="0" y="0"/>
+          <a:chExt cx="0" cy="0"/>
+        </a:xfrm>
+      </p:grpSpPr>
+      <p:sp>
+        <p:nvSpPr>
+          <p:cNvPr id="2" name="Title 1">
+            <a:extLst>
+              <a:ext uri="{FF2B5EF4-FFF2-40B4-BE49-F238E27FC236}">
+                <a16:creationId xmlns:a16="http://schemas.microsoft.com/office/drawing/2014/main" id="{FE2020F9-BFE4-091C-9588-C9D386521C23}"/>
+              </a:ext>
+            </a:extLst>
+          </p:cNvPr>
+          <p:cNvSpPr>
+            <a:spLocks noGrp="1"/>
+          </p:cNvSpPr>
+          <p:nvPr>
+            <p:ph type="title"/>
+          </p:nvPr>
+        </p:nvSpPr>
+        <p:spPr>
+          <a:xfrm>
+            <a:off x="913795" y="609600"/>
+            <a:ext cx="10353761" cy="1326321"/>
+          </a:xfrm>
+        </p:spPr>
+        <p:txBody>
+          <a:bodyPr vert="horz" lIns="91440" tIns="45720" rIns="91440" bIns="45720" rtlCol="0" anchor="ctr">
+            <a:normAutofit/>
+          </a:bodyPr>
+          <a:lstStyle/>
+          <a:p>
+            <a:r>
+              <a:rPr lang="en-US"/>
+              <a:t>Tipos de Amenazas Comunes en Endpoints</a:t>
+            </a:r>
+          </a:p>
+        </p:txBody>
+      </p:sp>
+      <p:sp>
+        <p:nvSpPr>
+          <p:cNvPr id="4" name="Content Placeholder 3">
+            <a:extLst>
+              <a:ext uri="{FF2B5EF4-FFF2-40B4-BE49-F238E27FC236}">
+                <a16:creationId xmlns:a16="http://schemas.microsoft.com/office/drawing/2014/main" id="{AB3A6F46-070A-8F0E-15AE-0C623848A536}"/>
+              </a:ext>
+            </a:extLst>
+          </p:cNvPr>
+          <p:cNvSpPr>
+            <a:spLocks noGrp="1"/>
+          </p:cNvSpPr>
+          <p:nvPr>
+            <p:ph sz="half" idx="2"/>
+          </p:nvPr>
+        </p:nvSpPr>
+        <p:spPr>
+          <a:xfrm>
+            <a:off x="913795" y="2096064"/>
+            <a:ext cx="6352824" cy="3695136"/>
+          </a:xfrm>
+        </p:spPr>
+        <p:txBody>
+          <a:bodyPr vert="horz" lIns="91440" tIns="45720" rIns="91440" bIns="45720" rtlCol="0">
+            <a:normAutofit/>
+          </a:bodyPr>
+          <a:lstStyle/>
+          <a:p>
+            <a:r>
+              <a:rPr lang="en-US"/>
+              <a:t>Malware: "Software malicioso diseñado para dañar o comprometer un sistema, como virus, ransomware y troyanos."</a:t>
+            </a:r>
+          </a:p>
+          <a:p>
+            <a:r>
+              <a:rPr lang="en-US"/>
+              <a:t>Phishing: "Ataques que buscan engañar a los usuarios para que revelen información confidencial, como credenciales de acceso."</a:t>
+            </a:r>
+          </a:p>
+          <a:p>
+            <a:r>
+              <a:rPr lang="en-US"/>
+              <a:t>Ataques de día cero: "Explotan vulnerabilidades desconocidas en software o hardware antes de que se publique un parche."</a:t>
+            </a:r>
+          </a:p>
+        </p:txBody>
+      </p:sp>
+      <p:pic>
+        <p:nvPicPr>
+          <p:cNvPr id="1028" name="Picture 4" descr="What is Hacking? | Purpose of Hacking | Why Do Hackers Hack?">
+            <a:extLst>
+              <a:ext uri="{FF2B5EF4-FFF2-40B4-BE49-F238E27FC236}">
+                <a16:creationId xmlns:a16="http://schemas.microsoft.com/office/drawing/2014/main" id="{FCFDD8D5-1D8B-FFD6-3E90-0A29FC69FEA0}"/>
+              </a:ext>
+            </a:extLst>
+          </p:cNvPr>
+          <p:cNvPicPr>
+            <a:picLocks noGrp="1" noChangeAspect="1" noChangeArrowheads="1"/>
+          </p:cNvPicPr>
+          <p:nvPr>
+            <p:ph sz="quarter" idx="4"/>
+          </p:nvPr>
+        </p:nvPicPr>
+        <p:blipFill>
+          <a:blip r:embed="rId4">
+            <a:extLst>
+              <a:ext uri="{28A0092B-C50C-407E-A947-70E740481C1C}">
+                <a14:useLocalDpi xmlns:a14="http://schemas.microsoft.com/office/drawing/2010/main" val="0"/>
+              </a:ext>
+            </a:extLst>
+          </a:blip>
+          <a:srcRect l="30355" r="10387" b="4"/>
+          <a:stretch/>
+        </p:blipFill>
+        <p:spPr bwMode="auto">
+          <a:xfrm>
+            <a:off x="7678736" y="2210935"/>
+            <a:ext cx="3511778" cy="3493180"/>
+          </a:xfrm>
+          <a:prstGeom prst="rect">
+            <a:avLst/>
+          </a:prstGeom>
+          <a:noFill/>
+          <a:ln w="190500" cap="sq">
+            <a:solidFill>
+              <a:srgbClr val="FFFFFF"/>
+            </a:solidFill>
+            <a:miter lim="800000"/>
+          </a:ln>
+          <a:effectLst>
+            <a:outerShdw blurRad="54991" dist="17780" dir="5400000" algn="ctr" rotWithShape="0">
+              <a:schemeClr val="bg1">
+                <a:alpha val="40000"/>
+              </a:schemeClr>
+            </a:outerShdw>
+          </a:effectLst>
+          <a:scene3d>
+            <a:camera prst="orthographicFront"/>
+            <a:lightRig rig="twoPt" dir="t">
+              <a:rot lat="0" lon="0" rev="7200000"/>
+            </a:lightRig>
+          </a:scene3d>
+          <a:sp3d>
+            <a:bevelT w="25400" h="19050"/>
+          </a:sp3d>
+          <a:extLst>
+            <a:ext uri="{909E8E84-426E-40DD-AFC4-6F175D3DCCD1}">
+              <a14:hiddenFill xmlns:a14="http://schemas.microsoft.com/office/drawing/2010/main">
+                <a:solidFill>
+                  <a:srgbClr val="FFFFFF"/>
+                </a:solidFill>
+              </a14:hiddenFill>
+            </a:ext>
+          </a:extLst>
+        </p:spPr>
+      </p:pic>
+    </p:spTree>
+    <p:extLst>
+      <p:ext uri="{BB962C8B-B14F-4D97-AF65-F5344CB8AC3E}">
+        <p14:creationId xmlns:p14="http://schemas.microsoft.com/office/powerpoint/2010/main" val="3523147183"/>
+      </p:ext>
+    </p:extLst>
+  </p:cSld>
+  <p:clrMapOvr>
+    <a:masterClrMapping/>
+  </p:clrMapOvr>
+</p:sld>
+</file>
+
+<file path=ppt/slides/slide5.xml><?xml version="1.0" encoding="utf-8"?>
+<p:sld xmlns:a="http://schemas.openxmlformats.org/drawingml/2006/main" xmlns:r="http://schemas.openxmlformats.org/officeDocument/2006/relationships" xmlns:p="http://schemas.openxmlformats.org/presentationml/2006/main">
+  <p:cSld>
+    <p:bg>
+      <p:bgPr>
+        <a:blipFill rotWithShape="1">
+          <a:blip r:embed="rId3">
+            <a:duotone>
+              <a:schemeClr val="bg2">
+                <a:shade val="18000"/>
+                <a:satMod val="160000"/>
+                <a:lumMod val="28000"/>
+              </a:schemeClr>
+              <a:schemeClr val="bg2">
+                <a:tint val="95000"/>
+                <a:satMod val="160000"/>
+                <a:lumMod val="116000"/>
+              </a:schemeClr>
+            </a:duotone>
+          </a:blip>
+          <a:stretch/>
+        </a:blipFill>
+        <a:effectLst/>
+      </p:bgPr>
+    </p:bg>
+    <p:spTree>
+      <p:nvGrpSpPr>
+        <p:cNvPr id="1" name=""/>
+        <p:cNvGrpSpPr/>
+        <p:nvPr/>
+      </p:nvGrpSpPr>
+      <p:grpSpPr>
+        <a:xfrm>
+          <a:off x="0" y="0"/>
+          <a:ext cx="0" cy="0"/>
+          <a:chOff x="0" y="0"/>
+          <a:chExt cx="0" cy="0"/>
+        </a:xfrm>
+      </p:grpSpPr>
+      <p:sp>
+        <p:nvSpPr>
+          <p:cNvPr id="2" name="Title 1">
+            <a:extLst>
+              <a:ext uri="{FF2B5EF4-FFF2-40B4-BE49-F238E27FC236}">
+                <a16:creationId xmlns:a16="http://schemas.microsoft.com/office/drawing/2014/main" id="{FE2020F9-BFE4-091C-9588-C9D386521C23}"/>
+              </a:ext>
+            </a:extLst>
+          </p:cNvPr>
+          <p:cNvSpPr>
+            <a:spLocks noGrp="1"/>
+          </p:cNvSpPr>
+          <p:nvPr>
+            <p:ph type="title"/>
+          </p:nvPr>
+        </p:nvSpPr>
+        <p:spPr>
+          <a:xfrm>
+            <a:off x="913795" y="609600"/>
+            <a:ext cx="10353761" cy="1326321"/>
+          </a:xfrm>
+        </p:spPr>
+        <p:txBody>
+          <a:bodyPr vert="horz" lIns="91440" tIns="45720" rIns="91440" bIns="45720" rtlCol="0" anchor="ctr">
+            <a:normAutofit/>
+          </a:bodyPr>
+          <a:lstStyle/>
+          <a:p>
+            <a:r>
+              <a:rPr lang="en-US"/>
+              <a:t>Soluciones de Seguridad para Endpoints</a:t>
+            </a:r>
+          </a:p>
+        </p:txBody>
+      </p:sp>
+      <p:sp>
+        <p:nvSpPr>
+          <p:cNvPr id="4" name="Content Placeholder 3">
+            <a:extLst>
+              <a:ext uri="{FF2B5EF4-FFF2-40B4-BE49-F238E27FC236}">
+                <a16:creationId xmlns:a16="http://schemas.microsoft.com/office/drawing/2014/main" id="{AB3A6F46-070A-8F0E-15AE-0C623848A536}"/>
+              </a:ext>
+            </a:extLst>
+          </p:cNvPr>
+          <p:cNvSpPr>
+            <a:spLocks noGrp="1"/>
+          </p:cNvSpPr>
+          <p:nvPr>
+            <p:ph sz="half" idx="2"/>
+          </p:nvPr>
+        </p:nvSpPr>
+        <p:spPr>
+          <a:xfrm>
+            <a:off x="433754" y="1723292"/>
+            <a:ext cx="5496901" cy="4067908"/>
+          </a:xfrm>
+        </p:spPr>
+        <p:txBody>
+          <a:bodyPr vert="horz" lIns="91440" tIns="45720" rIns="91440" bIns="45720" rtlCol="0">
+            <a:normAutofit fontScale="92500" lnSpcReduction="20000"/>
+          </a:bodyPr>
+          <a:lstStyle/>
+          <a:p>
+            <a:pPr>
+              <a:lnSpc>
+                <a:spcPct val="110000"/>
+              </a:lnSpc>
+            </a:pPr>
+            <a:r>
+              <a:rPr lang="en-US" sz="2400" dirty="0"/>
+              <a:t>Antivirus y Antimalware: "</a:t>
+            </a:r>
+            <a:r>
+              <a:rPr lang="en-US" sz="2400" dirty="0" err="1"/>
+              <a:t>Programas</a:t>
+            </a:r>
+            <a:r>
+              <a:rPr lang="en-US" sz="2400" dirty="0"/>
+              <a:t> que </a:t>
+            </a:r>
+            <a:r>
+              <a:rPr lang="en-US" sz="2400" dirty="0" err="1"/>
+              <a:t>detectan</a:t>
+            </a:r>
+            <a:r>
+              <a:rPr lang="en-US" sz="2400" dirty="0"/>
+              <a:t> y </a:t>
+            </a:r>
+            <a:r>
+              <a:rPr lang="en-US" sz="2400" dirty="0" err="1"/>
+              <a:t>eliminan</a:t>
+            </a:r>
+            <a:r>
+              <a:rPr lang="en-US" sz="2400" dirty="0"/>
+              <a:t> software </a:t>
+            </a:r>
+            <a:r>
+              <a:rPr lang="en-US" sz="2400" dirty="0" err="1"/>
+              <a:t>malicioso</a:t>
+            </a:r>
+            <a:r>
+              <a:rPr lang="en-US" sz="2400" dirty="0"/>
+              <a:t> </a:t>
+            </a:r>
+            <a:r>
+              <a:rPr lang="en-US" sz="2400" dirty="0" err="1"/>
+              <a:t>en</a:t>
+            </a:r>
+            <a:r>
+              <a:rPr lang="en-US" sz="2400" dirty="0"/>
+              <a:t> </a:t>
+            </a:r>
+            <a:r>
+              <a:rPr lang="en-US" sz="2400" dirty="0" err="1"/>
+              <a:t>dispositivos</a:t>
+            </a:r>
+            <a:r>
+              <a:rPr lang="en-US" sz="2400" dirty="0"/>
+              <a:t> finales."</a:t>
+            </a:r>
+          </a:p>
+          <a:p>
+            <a:pPr>
+              <a:lnSpc>
+                <a:spcPct val="110000"/>
+              </a:lnSpc>
+            </a:pPr>
+            <a:r>
+              <a:rPr lang="en-US" sz="2400" dirty="0"/>
+              <a:t>Firewalls de Endpoint: "</a:t>
+            </a:r>
+            <a:r>
+              <a:rPr lang="en-US" sz="2400" dirty="0" err="1"/>
+              <a:t>Filtran</a:t>
+            </a:r>
+            <a:r>
+              <a:rPr lang="en-US" sz="2400" dirty="0"/>
+              <a:t> </a:t>
+            </a:r>
+            <a:r>
+              <a:rPr lang="en-US" sz="2400" dirty="0" err="1"/>
+              <a:t>el</a:t>
+            </a:r>
+            <a:r>
+              <a:rPr lang="en-US" sz="2400" dirty="0"/>
+              <a:t> </a:t>
+            </a:r>
+            <a:r>
+              <a:rPr lang="en-US" sz="2400" dirty="0" err="1"/>
+              <a:t>tráfico</a:t>
+            </a:r>
+            <a:r>
+              <a:rPr lang="en-US" sz="2400" dirty="0"/>
+              <a:t> de red </a:t>
+            </a:r>
+            <a:r>
+              <a:rPr lang="en-US" sz="2400" dirty="0" err="1"/>
+              <a:t>entrante</a:t>
+            </a:r>
+            <a:r>
+              <a:rPr lang="en-US" sz="2400" dirty="0"/>
+              <a:t> y </a:t>
+            </a:r>
+            <a:r>
+              <a:rPr lang="en-US" sz="2400" dirty="0" err="1"/>
+              <a:t>saliente</a:t>
+            </a:r>
+            <a:r>
+              <a:rPr lang="en-US" sz="2400" dirty="0"/>
+              <a:t> </a:t>
+            </a:r>
+            <a:r>
+              <a:rPr lang="en-US" sz="2400" dirty="0" err="1"/>
+              <a:t>en</a:t>
+            </a:r>
+            <a:r>
+              <a:rPr lang="en-US" sz="2400" dirty="0"/>
+              <a:t> </a:t>
+            </a:r>
+            <a:r>
+              <a:rPr lang="en-US" sz="2400" dirty="0" err="1"/>
+              <a:t>los</a:t>
+            </a:r>
+            <a:r>
+              <a:rPr lang="en-US" sz="2400" dirty="0"/>
+              <a:t> </a:t>
+            </a:r>
+            <a:r>
+              <a:rPr lang="en-US" sz="2400" dirty="0" err="1"/>
+              <a:t>dispositivos</a:t>
+            </a:r>
+            <a:r>
+              <a:rPr lang="en-US" sz="2400" dirty="0"/>
+              <a:t>, </a:t>
+            </a:r>
+            <a:r>
+              <a:rPr lang="en-US" sz="2400" dirty="0" err="1"/>
+              <a:t>bloqueando</a:t>
+            </a:r>
+            <a:r>
+              <a:rPr lang="en-US" sz="2400" dirty="0"/>
+              <a:t> </a:t>
+            </a:r>
+            <a:r>
+              <a:rPr lang="en-US" sz="2400" dirty="0" err="1"/>
+              <a:t>conexiones</a:t>
+            </a:r>
+            <a:r>
+              <a:rPr lang="en-US" sz="2400" dirty="0"/>
+              <a:t> </a:t>
+            </a:r>
+            <a:r>
+              <a:rPr lang="en-US" sz="2400" dirty="0" err="1"/>
+              <a:t>sospechosas</a:t>
+            </a:r>
+            <a:r>
+              <a:rPr lang="en-US" sz="2400" dirty="0"/>
+              <a:t>."</a:t>
+            </a:r>
+          </a:p>
+          <a:p>
+            <a:pPr>
+              <a:lnSpc>
+                <a:spcPct val="110000"/>
+              </a:lnSpc>
+            </a:pPr>
+            <a:r>
+              <a:rPr lang="en-US" sz="2400" dirty="0"/>
+              <a:t>Software de </a:t>
+            </a:r>
+            <a:r>
+              <a:rPr lang="en-US" sz="2400" dirty="0" err="1"/>
+              <a:t>Detección</a:t>
+            </a:r>
+            <a:r>
+              <a:rPr lang="en-US" sz="2400" dirty="0"/>
+              <a:t> y Respuesta </a:t>
+            </a:r>
+            <a:r>
+              <a:rPr lang="en-US" sz="2400" dirty="0" err="1"/>
+              <a:t>en</a:t>
+            </a:r>
+            <a:r>
+              <a:rPr lang="en-US" sz="2400" dirty="0"/>
+              <a:t> Endpoints (EDR): "</a:t>
+            </a:r>
+            <a:r>
+              <a:rPr lang="en-US" sz="2400" dirty="0" err="1"/>
+              <a:t>Monitorea</a:t>
+            </a:r>
+            <a:r>
+              <a:rPr lang="en-US" sz="2400" dirty="0"/>
+              <a:t> y </a:t>
+            </a:r>
+            <a:r>
+              <a:rPr lang="en-US" sz="2400" dirty="0" err="1"/>
+              <a:t>analiza</a:t>
+            </a:r>
+            <a:r>
+              <a:rPr lang="en-US" sz="2400" dirty="0"/>
+              <a:t> la </a:t>
+            </a:r>
+            <a:r>
+              <a:rPr lang="en-US" sz="2400" dirty="0" err="1"/>
+              <a:t>actividad</a:t>
+            </a:r>
+            <a:r>
+              <a:rPr lang="en-US" sz="2400" dirty="0"/>
+              <a:t> </a:t>
+            </a:r>
+            <a:r>
+              <a:rPr lang="en-US" sz="2400" dirty="0" err="1"/>
+              <a:t>en</a:t>
+            </a:r>
+            <a:r>
+              <a:rPr lang="en-US" sz="2400" dirty="0"/>
+              <a:t> </a:t>
+            </a:r>
+            <a:r>
+              <a:rPr lang="en-US" sz="2400" dirty="0" err="1"/>
+              <a:t>los</a:t>
+            </a:r>
+            <a:r>
+              <a:rPr lang="en-US" sz="2400" dirty="0"/>
+              <a:t> endpoints para </a:t>
+            </a:r>
+            <a:r>
+              <a:rPr lang="en-US" sz="2400" dirty="0" err="1"/>
+              <a:t>detectar</a:t>
+            </a:r>
+            <a:r>
+              <a:rPr lang="en-US" sz="2400" dirty="0"/>
+              <a:t> y responder </a:t>
+            </a:r>
+            <a:r>
+              <a:rPr lang="en-US" sz="2400" dirty="0" err="1"/>
+              <a:t>rápidamente</a:t>
+            </a:r>
+            <a:r>
+              <a:rPr lang="en-US" sz="2400" dirty="0"/>
+              <a:t> a </a:t>
+            </a:r>
+            <a:r>
+              <a:rPr lang="en-US" sz="2400" dirty="0" err="1"/>
+              <a:t>amenazas</a:t>
+            </a:r>
+            <a:r>
+              <a:rPr lang="en-US" sz="2400" dirty="0"/>
+              <a:t>."</a:t>
+            </a:r>
+          </a:p>
+        </p:txBody>
+      </p:sp>
+      <p:pic>
+        <p:nvPicPr>
+          <p:cNvPr id="2050" name="Picture 2" descr="Qué es un firewall? Comprender la primera línea de defensa de tu  organización - NinjaOne">
+            <a:extLst>
+              <a:ext uri="{FF2B5EF4-FFF2-40B4-BE49-F238E27FC236}">
+                <a16:creationId xmlns:a16="http://schemas.microsoft.com/office/drawing/2014/main" id="{DFDA0489-F47C-10A9-89B0-272C4022F07F}"/>
+              </a:ext>
+            </a:extLst>
+          </p:cNvPr>
+          <p:cNvPicPr>
+            <a:picLocks noGrp="1" noChangeAspect="1" noChangeArrowheads="1"/>
+          </p:cNvPicPr>
+          <p:nvPr>
+            <p:ph sz="quarter" idx="4"/>
+          </p:nvPr>
+        </p:nvPicPr>
+        <p:blipFill>
+          <a:blip r:embed="rId4">
+            <a:extLst>
+              <a:ext uri="{28A0092B-C50C-407E-A947-70E740481C1C}">
+                <a14:useLocalDpi xmlns:a14="http://schemas.microsoft.com/office/drawing/2010/main" val="0"/>
+              </a:ext>
+            </a:extLst>
+          </a:blip>
+          <a:stretch>
+            <a:fillRect/>
+          </a:stretch>
+        </p:blipFill>
+        <p:spPr bwMode="auto">
+          <a:xfrm>
+            <a:off x="6357257" y="2694837"/>
+            <a:ext cx="4833257" cy="2525376"/>
+          </a:xfrm>
+          <a:prstGeom prst="rect">
+            <a:avLst/>
+          </a:prstGeom>
+          <a:noFill/>
+          <a:ln w="190500" cap="sq">
+            <a:solidFill>
+              <a:srgbClr val="FFFFFF"/>
+            </a:solidFill>
+            <a:miter lim="800000"/>
+          </a:ln>
+          <a:effectLst>
+            <a:outerShdw blurRad="54991" dist="17780" dir="5400000" algn="ctr" rotWithShape="0">
+              <a:schemeClr val="bg1">
+                <a:alpha val="40000"/>
+              </a:schemeClr>
+            </a:outerShdw>
+          </a:effectLst>
+          <a:scene3d>
+            <a:camera prst="orthographicFront"/>
+            <a:lightRig rig="twoPt" dir="t">
+              <a:rot lat="0" lon="0" rev="7200000"/>
+            </a:lightRig>
+          </a:scene3d>
+          <a:sp3d>
+            <a:bevelT w="25400" h="19050"/>
+          </a:sp3d>
+          <a:extLst>
+            <a:ext uri="{909E8E84-426E-40DD-AFC4-6F175D3DCCD1}">
+              <a14:hiddenFill xmlns:a14="http://schemas.microsoft.com/office/drawing/2010/main">
+                <a:solidFill>
+                  <a:srgbClr val="FFFFFF"/>
+                </a:solidFill>
+              </a14:hiddenFill>
+            </a:ext>
+          </a:extLst>
+        </p:spPr>
+      </p:pic>
+    </p:spTree>
+    <p:extLst>
+      <p:ext uri="{BB962C8B-B14F-4D97-AF65-F5344CB8AC3E}">
+        <p14:creationId xmlns:p14="http://schemas.microsoft.com/office/powerpoint/2010/main" val="719568322"/>
+      </p:ext>
+    </p:extLst>
+  </p:cSld>
+  <p:clrMapOvr>
+    <a:masterClrMapping/>
+  </p:clrMapOvr>
+</p:sld>
+</file>
+
+<file path=ppt/slides/slide6.xml><?xml version="1.0" encoding="utf-8"?>
+<p:sld xmlns:a="http://schemas.openxmlformats.org/drawingml/2006/main" xmlns:r="http://schemas.openxmlformats.org/officeDocument/2006/relationships" xmlns:p="http://schemas.openxmlformats.org/presentationml/2006/main">
+  <p:cSld>
+    <p:bg>
+      <p:bgPr>
+        <a:blipFill rotWithShape="1">
+          <a:blip r:embed="rId3">
+            <a:duotone>
+              <a:schemeClr val="bg2">
+                <a:shade val="18000"/>
+                <a:satMod val="160000"/>
+                <a:lumMod val="28000"/>
+              </a:schemeClr>
+              <a:schemeClr val="bg2">
+                <a:tint val="95000"/>
+                <a:satMod val="160000"/>
+                <a:lumMod val="116000"/>
+              </a:schemeClr>
+            </a:duotone>
+          </a:blip>
+          <a:stretch/>
+        </a:blipFill>
+        <a:effectLst/>
+      </p:bgPr>
+    </p:bg>
+    <p:spTree>
+      <p:nvGrpSpPr>
+        <p:cNvPr id="1" name=""/>
+        <p:cNvGrpSpPr/>
+        <p:nvPr/>
+      </p:nvGrpSpPr>
+      <p:grpSpPr>
+        <a:xfrm>
+          <a:off x="0" y="0"/>
+          <a:ext cx="0" cy="0"/>
+          <a:chOff x="0" y="0"/>
+          <a:chExt cx="0" cy="0"/>
+        </a:xfrm>
+      </p:grpSpPr>
+      <p:sp>
+        <p:nvSpPr>
+          <p:cNvPr id="2" name="Title 1">
+            <a:extLst>
+              <a:ext uri="{FF2B5EF4-FFF2-40B4-BE49-F238E27FC236}">
+                <a16:creationId xmlns:a16="http://schemas.microsoft.com/office/drawing/2014/main" id="{FE2020F9-BFE4-091C-9588-C9D386521C23}"/>
+              </a:ext>
+            </a:extLst>
+          </p:cNvPr>
+          <p:cNvSpPr>
+            <a:spLocks noGrp="1"/>
+          </p:cNvSpPr>
+          <p:nvPr>
+            <p:ph type="title"/>
+          </p:nvPr>
+        </p:nvSpPr>
+        <p:spPr>
+          <a:xfrm>
+            <a:off x="913795" y="609600"/>
+            <a:ext cx="10353761" cy="1326321"/>
+          </a:xfrm>
+        </p:spPr>
+        <p:txBody>
+          <a:bodyPr vert="horz" lIns="91440" tIns="45720" rIns="91440" bIns="45720" rtlCol="0" anchor="ctr">
+            <a:normAutofit/>
+          </a:bodyPr>
+          <a:lstStyle/>
+          <a:p>
+            <a:r>
+              <a:rPr lang="en-US"/>
+              <a:t>Mejores Prácticas para la Protección de Endpoints</a:t>
+            </a:r>
+          </a:p>
+        </p:txBody>
+      </p:sp>
+      <p:pic>
+        <p:nvPicPr>
+          <p:cNvPr id="3076" name="Picture 4" descr="La importancia de la capacitación para las y los trabajadores. |  Procuraduría Federal de la Defensa del Trabajo | Gobierno | gob.mx">
+            <a:extLst>
+              <a:ext uri="{FF2B5EF4-FFF2-40B4-BE49-F238E27FC236}">
+                <a16:creationId xmlns:a16="http://schemas.microsoft.com/office/drawing/2014/main" id="{BA9690F5-44E1-56F1-8D71-F7737CF2D423}"/>
+              </a:ext>
+            </a:extLst>
+          </p:cNvPr>
+          <p:cNvPicPr>
+            <a:picLocks noGrp="1" noChangeAspect="1" noChangeArrowheads="1"/>
+          </p:cNvPicPr>
+          <p:nvPr>
+            <p:ph sz="quarter" idx="4"/>
+          </p:nvPr>
+        </p:nvPicPr>
+        <p:blipFill>
+          <a:blip r:embed="rId4">
+            <a:extLst>
+              <a:ext uri="{28A0092B-C50C-407E-A947-70E740481C1C}">
+                <a14:useLocalDpi xmlns:a14="http://schemas.microsoft.com/office/drawing/2010/main" val="0"/>
+              </a:ext>
+            </a:extLst>
+          </a:blip>
+          <a:stretch>
+            <a:fillRect/>
+          </a:stretch>
+        </p:blipFill>
+        <p:spPr bwMode="auto">
+          <a:xfrm>
+            <a:off x="1017388" y="2700878"/>
+            <a:ext cx="4833257" cy="2513293"/>
+          </a:xfrm>
+          <a:prstGeom prst="rect">
+            <a:avLst/>
+          </a:prstGeom>
+          <a:noFill/>
+          <a:ln w="190500" cap="sq">
+            <a:solidFill>
+              <a:srgbClr val="FFFFFF"/>
+            </a:solidFill>
+            <a:miter lim="800000"/>
+          </a:ln>
+          <a:effectLst>
+            <a:outerShdw blurRad="54991" dist="17780" dir="5400000" algn="ctr" rotWithShape="0">
+              <a:schemeClr val="bg1">
+                <a:alpha val="40000"/>
+              </a:schemeClr>
+            </a:outerShdw>
+          </a:effectLst>
+          <a:scene3d>
+            <a:camera prst="orthographicFront"/>
+            <a:lightRig rig="twoPt" dir="t">
+              <a:rot lat="0" lon="0" rev="7200000"/>
+            </a:lightRig>
+          </a:scene3d>
+          <a:sp3d>
+            <a:bevelT w="25400" h="19050"/>
+          </a:sp3d>
+          <a:extLst>
+            <a:ext uri="{909E8E84-426E-40DD-AFC4-6F175D3DCCD1}">
+              <a14:hiddenFill xmlns:a14="http://schemas.microsoft.com/office/drawing/2010/main">
+                <a:solidFill>
+                  <a:srgbClr val="FFFFFF"/>
+                </a:solidFill>
+              </a14:hiddenFill>
+            </a:ext>
+          </a:extLst>
+        </p:spPr>
+      </p:pic>
+      <p:sp>
+        <p:nvSpPr>
+          <p:cNvPr id="4" name="Content Placeholder 3">
+            <a:extLst>
+              <a:ext uri="{FF2B5EF4-FFF2-40B4-BE49-F238E27FC236}">
+                <a16:creationId xmlns:a16="http://schemas.microsoft.com/office/drawing/2014/main" id="{AB3A6F46-070A-8F0E-15AE-0C623848A536}"/>
+              </a:ext>
+            </a:extLst>
+          </p:cNvPr>
+          <p:cNvSpPr>
+            <a:spLocks noGrp="1"/>
+          </p:cNvSpPr>
+          <p:nvPr>
+            <p:ph sz="half" idx="2"/>
+          </p:nvPr>
+        </p:nvSpPr>
+        <p:spPr>
+          <a:xfrm>
+            <a:off x="6250695" y="2096063"/>
+            <a:ext cx="5319982" cy="3964767"/>
+          </a:xfrm>
+        </p:spPr>
+        <p:txBody>
+          <a:bodyPr vert="horz" lIns="91440" tIns="45720" rIns="91440" bIns="45720" rtlCol="0">
+            <a:normAutofit fontScale="92500"/>
+          </a:bodyPr>
+          <a:lstStyle/>
+          <a:p>
+            <a:pPr>
+              <a:lnSpc>
+                <a:spcPct val="110000"/>
+              </a:lnSpc>
+            </a:pPr>
+            <a:r>
+              <a:rPr lang="en-US" dirty="0" err="1"/>
+              <a:t>Capacitación</a:t>
+            </a:r>
+            <a:r>
+              <a:rPr lang="en-US" dirty="0"/>
+              <a:t> de </a:t>
+            </a:r>
+            <a:r>
+              <a:rPr lang="en-US" dirty="0" err="1"/>
+              <a:t>Usuarios</a:t>
+            </a:r>
+            <a:r>
+              <a:rPr lang="en-US" dirty="0"/>
+              <a:t>: "</a:t>
+            </a:r>
+            <a:r>
+              <a:rPr lang="en-US" dirty="0" err="1"/>
+              <a:t>Educar</a:t>
+            </a:r>
+            <a:r>
+              <a:rPr lang="en-US" dirty="0"/>
+              <a:t> a </a:t>
+            </a:r>
+            <a:r>
+              <a:rPr lang="en-US" dirty="0" err="1"/>
+              <a:t>los</a:t>
+            </a:r>
+            <a:r>
+              <a:rPr lang="en-US" dirty="0"/>
+              <a:t> </a:t>
+            </a:r>
+            <a:r>
+              <a:rPr lang="en-US" dirty="0" err="1"/>
+              <a:t>empleados</a:t>
+            </a:r>
+            <a:r>
+              <a:rPr lang="en-US" dirty="0"/>
+              <a:t> </a:t>
+            </a:r>
+            <a:r>
+              <a:rPr lang="en-US" dirty="0" err="1"/>
+              <a:t>sobre</a:t>
+            </a:r>
+            <a:r>
+              <a:rPr lang="en-US" dirty="0"/>
+              <a:t> las </a:t>
+            </a:r>
+            <a:r>
+              <a:rPr lang="en-US" dirty="0" err="1"/>
+              <a:t>amenazas</a:t>
+            </a:r>
+            <a:r>
+              <a:rPr lang="en-US" dirty="0"/>
+              <a:t> de </a:t>
+            </a:r>
+            <a:r>
+              <a:rPr lang="en-US" dirty="0" err="1"/>
+              <a:t>seguridad</a:t>
+            </a:r>
+            <a:r>
+              <a:rPr lang="en-US" dirty="0"/>
+              <a:t> y </a:t>
+            </a:r>
+            <a:r>
+              <a:rPr lang="en-US" dirty="0" err="1"/>
+              <a:t>cómo</a:t>
+            </a:r>
+            <a:r>
+              <a:rPr lang="en-US" dirty="0"/>
+              <a:t> </a:t>
+            </a:r>
+            <a:r>
+              <a:rPr lang="en-US" dirty="0" err="1"/>
+              <a:t>evitarlas</a:t>
+            </a:r>
+            <a:r>
+              <a:rPr lang="en-US" dirty="0"/>
+              <a:t>."</a:t>
+            </a:r>
+          </a:p>
+          <a:p>
+            <a:pPr>
+              <a:lnSpc>
+                <a:spcPct val="110000"/>
+              </a:lnSpc>
+            </a:pPr>
+            <a:r>
+              <a:rPr lang="en-US" dirty="0" err="1"/>
+              <a:t>Monitorización</a:t>
+            </a:r>
+            <a:r>
+              <a:rPr lang="en-US" dirty="0"/>
+              <a:t> Continua: "</a:t>
+            </a:r>
+            <a:r>
+              <a:rPr lang="en-US" dirty="0" err="1"/>
+              <a:t>Implementar</a:t>
+            </a:r>
+            <a:r>
+              <a:rPr lang="en-US" dirty="0"/>
+              <a:t> </a:t>
+            </a:r>
+            <a:r>
+              <a:rPr lang="en-US" dirty="0" err="1"/>
+              <a:t>herramientas</a:t>
+            </a:r>
+            <a:r>
+              <a:rPr lang="en-US" dirty="0"/>
+              <a:t> de </a:t>
+            </a:r>
+            <a:r>
+              <a:rPr lang="en-US" dirty="0" err="1"/>
+              <a:t>monitoreo</a:t>
+            </a:r>
+            <a:r>
+              <a:rPr lang="en-US" dirty="0"/>
+              <a:t> para </a:t>
+            </a:r>
+            <a:r>
+              <a:rPr lang="en-US" dirty="0" err="1"/>
+              <a:t>detectar</a:t>
+            </a:r>
+            <a:r>
+              <a:rPr lang="en-US" dirty="0"/>
+              <a:t> </a:t>
+            </a:r>
+            <a:r>
+              <a:rPr lang="en-US" dirty="0" err="1"/>
+              <a:t>comportamientos</a:t>
+            </a:r>
+            <a:r>
+              <a:rPr lang="en-US" dirty="0"/>
+              <a:t> </a:t>
+            </a:r>
+            <a:r>
+              <a:rPr lang="en-US" dirty="0" err="1"/>
+              <a:t>anómalos</a:t>
+            </a:r>
+            <a:r>
+              <a:rPr lang="en-US" dirty="0"/>
+              <a:t> </a:t>
+            </a:r>
+            <a:r>
+              <a:rPr lang="en-US" dirty="0" err="1"/>
+              <a:t>en</a:t>
+            </a:r>
+            <a:r>
+              <a:rPr lang="en-US" dirty="0"/>
+              <a:t> </a:t>
+            </a:r>
+            <a:r>
+              <a:rPr lang="en-US" dirty="0" err="1"/>
+              <a:t>tiempo</a:t>
+            </a:r>
+            <a:r>
+              <a:rPr lang="en-US" dirty="0"/>
+              <a:t> real."</a:t>
+            </a:r>
+          </a:p>
+          <a:p>
+            <a:pPr>
+              <a:lnSpc>
+                <a:spcPct val="110000"/>
+              </a:lnSpc>
+            </a:pPr>
+            <a:r>
+              <a:rPr lang="en-US" dirty="0" err="1"/>
+              <a:t>Evaluaciones</a:t>
+            </a:r>
+            <a:r>
+              <a:rPr lang="en-US" dirty="0"/>
+              <a:t> de </a:t>
+            </a:r>
+            <a:r>
+              <a:rPr lang="en-US" dirty="0" err="1"/>
+              <a:t>Seguridad</a:t>
+            </a:r>
+            <a:r>
+              <a:rPr lang="en-US" dirty="0"/>
+              <a:t>: "</a:t>
+            </a:r>
+            <a:r>
+              <a:rPr lang="en-US" dirty="0" err="1"/>
+              <a:t>Realizar</a:t>
+            </a:r>
+            <a:r>
+              <a:rPr lang="en-US" dirty="0"/>
+              <a:t> </a:t>
+            </a:r>
+            <a:r>
+              <a:rPr lang="en-US" dirty="0" err="1"/>
+              <a:t>auditorías</a:t>
+            </a:r>
+            <a:r>
+              <a:rPr lang="en-US" dirty="0"/>
+              <a:t> y </a:t>
+            </a:r>
+            <a:r>
+              <a:rPr lang="en-US" dirty="0" err="1"/>
+              <a:t>pruebas</a:t>
+            </a:r>
+            <a:r>
+              <a:rPr lang="en-US" dirty="0"/>
+              <a:t> de </a:t>
+            </a:r>
+            <a:r>
+              <a:rPr lang="en-US" dirty="0" err="1"/>
+              <a:t>penetración</a:t>
+            </a:r>
+            <a:r>
+              <a:rPr lang="en-US" dirty="0"/>
+              <a:t> </a:t>
+            </a:r>
+            <a:r>
+              <a:rPr lang="en-US" dirty="0" err="1"/>
+              <a:t>periódicas</a:t>
+            </a:r>
+            <a:r>
+              <a:rPr lang="en-US" dirty="0"/>
+              <a:t> para </a:t>
+            </a:r>
+            <a:r>
+              <a:rPr lang="en-US" dirty="0" err="1"/>
+              <a:t>identificar</a:t>
+            </a:r>
+            <a:r>
+              <a:rPr lang="en-US" dirty="0"/>
+              <a:t> y </a:t>
+            </a:r>
+            <a:r>
+              <a:rPr lang="en-US" dirty="0" err="1"/>
+              <a:t>corregir</a:t>
+            </a:r>
+            <a:r>
+              <a:rPr lang="en-US" dirty="0"/>
+              <a:t> </a:t>
+            </a:r>
+            <a:r>
+              <a:rPr lang="en-US" dirty="0" err="1"/>
+              <a:t>debilidades</a:t>
+            </a:r>
+            <a:r>
+              <a:rPr lang="en-US" dirty="0"/>
+              <a:t> </a:t>
+            </a:r>
+            <a:r>
+              <a:rPr lang="en-US" dirty="0" err="1"/>
+              <a:t>en</a:t>
+            </a:r>
+            <a:r>
+              <a:rPr lang="en-US" dirty="0"/>
+              <a:t> la </a:t>
+            </a:r>
+            <a:r>
+              <a:rPr lang="en-US" dirty="0" err="1"/>
+              <a:t>protección</a:t>
+            </a:r>
+            <a:r>
+              <a:rPr lang="en-US" dirty="0"/>
+              <a:t> de endpoints."</a:t>
+            </a:r>
+          </a:p>
+        </p:txBody>
+      </p:sp>
+    </p:spTree>
+    <p:extLst>
+      <p:ext uri="{BB962C8B-B14F-4D97-AF65-F5344CB8AC3E}">
+        <p14:creationId xmlns:p14="http://schemas.microsoft.com/office/powerpoint/2010/main" val="1952582425"/>
       </p:ext>
     </p:extLst>
   </p:cSld>
@@ -6353,4 +8427,319 @@
     </a:ext>
   </a:extLst>
 </a:theme>
+</file>
+
+<file path=ppt/theme/theme2.xml><?xml version="1.0" encoding="utf-8"?>
+<a:theme xmlns:a="http://schemas.openxmlformats.org/drawingml/2006/main" name="Office Theme">
+  <a:themeElements>
+    <a:clrScheme name="Office">
+      <a:dk1>
+        <a:sysClr val="windowText" lastClr="000000"/>
+      </a:dk1>
+      <a:lt1>
+        <a:sysClr val="window" lastClr="FFFFFF"/>
+      </a:lt1>
+      <a:dk2>
+        <a:srgbClr val="0E2841"/>
+      </a:dk2>
+      <a:lt2>
+        <a:srgbClr val="E8E8E8"/>
+      </a:lt2>
+      <a:accent1>
+        <a:srgbClr val="156082"/>
+      </a:accent1>
+      <a:accent2>
+        <a:srgbClr val="E97132"/>
+      </a:accent2>
+      <a:accent3>
+        <a:srgbClr val="196B24"/>
+      </a:accent3>
+      <a:accent4>
+        <a:srgbClr val="0F9ED5"/>
+      </a:accent4>
+      <a:accent5>
+        <a:srgbClr val="A02B93"/>
+      </a:accent5>
+      <a:accent6>
+        <a:srgbClr val="4EA72E"/>
+      </a:accent6>
+      <a:hlink>
+        <a:srgbClr val="467886"/>
+      </a:hlink>
+      <a:folHlink>
+        <a:srgbClr val="96607D"/>
+      </a:folHlink>
+    </a:clrScheme>
+    <a:fontScheme name="Office">
+      <a:majorFont>
+        <a:latin typeface="Aptos Display" panose="02110004020202020204"/>
+        <a:ea typeface=""/>
+        <a:cs typeface=""/>
+        <a:font script="Jpan" typeface="游ゴシック Light"/>
+        <a:font script="Hang" typeface="맑은 고딕"/>
+        <a:font script="Hans" typeface="等线 Light"/>
+        <a:font script="Hant" typeface="新細明體"/>
+        <a:font script="Arab" typeface="Times New Roman"/>
+        <a:font script="Hebr" typeface="Times New Roman"/>
+        <a:font script="Thai" typeface="Angsana New"/>
+        <a:font script="Ethi" typeface="Nyala"/>
+        <a:font script="Beng" typeface="Vrinda"/>
+        <a:font script="Gujr" typeface="Shruti"/>
+        <a:font script="Khmr" typeface="MoolBoran"/>
+        <a:font script="Knda" typeface="Tunga"/>
+        <a:font script="Guru" typeface="Raavi"/>
+        <a:font script="Cans" typeface="Euphemia"/>
+        <a:font script="Cher" typeface="Plantagenet Cherokee"/>
+        <a:font script="Yiii" typeface="Microsoft Yi Baiti"/>
+        <a:font script="Tibt" typeface="Microsoft Himalaya"/>
+        <a:font script="Thaa" typeface="MV Boli"/>
+        <a:font script="Deva" typeface="Mangal"/>
+        <a:font script="Telu" typeface="Gautami"/>
+        <a:font script="Taml" typeface="Latha"/>
+        <a:font script="Syrc" typeface="Estrangelo Edessa"/>
+        <a:font script="Orya" typeface="Kalinga"/>
+        <a:font script="Mlym" typeface="Kartika"/>
+        <a:font script="Laoo" typeface="DokChampa"/>
+        <a:font script="Sinh" typeface="Iskoola Pota"/>
+        <a:font script="Mong" typeface="Mongolian Baiti"/>
+        <a:font script="Viet" typeface="Times New Roman"/>
+        <a:font script="Uigh" typeface="Microsoft Uighur"/>
+        <a:font script="Geor" typeface="Sylfaen"/>
+        <a:font script="Armn" typeface="Arial"/>
+        <a:font script="Bugi" typeface="Leelawadee UI"/>
+        <a:font script="Bopo" typeface="Microsoft JhengHei"/>
+        <a:font script="Java" typeface="Javanese Text"/>
+        <a:font script="Lisu" typeface="Segoe UI"/>
+        <a:font script="Mymr" typeface="Myanmar Text"/>
+        <a:font script="Nkoo" typeface="Ebrima"/>
+        <a:font script="Olck" typeface="Nirmala UI"/>
+        <a:font script="Osma" typeface="Ebrima"/>
+        <a:font script="Phag" typeface="Phagspa"/>
+        <a:font script="Syrn" typeface="Estrangelo Edessa"/>
+        <a:font script="Syrj" typeface="Estrangelo Edessa"/>
+        <a:font script="Syre" typeface="Estrangelo Edessa"/>
+        <a:font script="Sora" typeface="Nirmala UI"/>
+        <a:font script="Tale" typeface="Microsoft Tai Le"/>
+        <a:font script="Talu" typeface="Microsoft New Tai Lue"/>
+        <a:font script="Tfng" typeface="Ebrima"/>
+      </a:majorFont>
+      <a:minorFont>
+        <a:latin typeface="Aptos" panose="02110004020202020204"/>
+        <a:ea typeface=""/>
+        <a:cs typeface=""/>
+        <a:font script="Jpan" typeface="游ゴシック"/>
+        <a:font script="Hang" typeface="맑은 고딕"/>
+        <a:font script="Hans" typeface="等线"/>
+        <a:font script="Hant" typeface="新細明體"/>
+        <a:font script="Arab" typeface="Arial"/>
+        <a:font script="Hebr" typeface="Arial"/>
+        <a:font script="Thai" typeface="Cordia New"/>
+        <a:font script="Ethi" typeface="Nyala"/>
+        <a:font script="Beng" typeface="Vrinda"/>
+        <a:font script="Gujr" typeface="Shruti"/>
+        <a:font script="Khmr" typeface="DaunPenh"/>
+        <a:font script="Knda" typeface="Tunga"/>
+        <a:font script="Guru" typeface="Raavi"/>
+        <a:font script="Cans" typeface="Euphemia"/>
+        <a:font script="Cher" typeface="Plantagenet Cherokee"/>
+        <a:font script="Yiii" typeface="Microsoft Yi Baiti"/>
+        <a:font script="Tibt" typeface="Microsoft Himalaya"/>
+        <a:font script="Thaa" typeface="MV Boli"/>
+        <a:font script="Deva" typeface="Mangal"/>
+        <a:font script="Telu" typeface="Gautami"/>
+        <a:font script="Taml" typeface="Latha"/>
+        <a:font script="Syrc" typeface="Estrangelo Edessa"/>
+        <a:font script="Orya" typeface="Kalinga"/>
+        <a:font script="Mlym" typeface="Kartika"/>
+        <a:font script="Laoo" typeface="DokChampa"/>
+        <a:font script="Sinh" typeface="Iskoola Pota"/>
+        <a:font script="Mong" typeface="Mongolian Baiti"/>
+        <a:font script="Viet" typeface="Arial"/>
+        <a:font script="Uigh" typeface="Microsoft Uighur"/>
+        <a:font script="Geor" typeface="Sylfaen"/>
+        <a:font script="Armn" typeface="Arial"/>
+        <a:font script="Bugi" typeface="Leelawadee UI"/>
+        <a:font script="Bopo" typeface="Microsoft JhengHei"/>
+        <a:font script="Java" typeface="Javanese Text"/>
+        <a:font script="Lisu" typeface="Segoe UI"/>
+        <a:font script="Mymr" typeface="Myanmar Text"/>
+        <a:font script="Nkoo" typeface="Ebrima"/>
+        <a:font script="Olck" typeface="Nirmala UI"/>
+        <a:font script="Osma" typeface="Ebrima"/>
+        <a:font script="Phag" typeface="Phagspa"/>
+        <a:font script="Syrn" typeface="Estrangelo Edessa"/>
+        <a:font script="Syrj" typeface="Estrangelo Edessa"/>
+        <a:font script="Syre" typeface="Estrangelo Edessa"/>
+        <a:font script="Sora" typeface="Nirmala UI"/>
+        <a:font script="Tale" typeface="Microsoft Tai Le"/>
+        <a:font script="Talu" typeface="Microsoft New Tai Lue"/>
+        <a:font script="Tfng" typeface="Ebrima"/>
+      </a:minorFont>
+    </a:fontScheme>
+    <a:fmtScheme name="Office">
+      <a:fillStyleLst>
+        <a:solidFill>
+          <a:schemeClr val="phClr"/>
+        </a:solidFill>
+        <a:gradFill rotWithShape="1">
+          <a:gsLst>
+            <a:gs pos="0">
+              <a:schemeClr val="phClr">
+                <a:lumMod val="110000"/>
+                <a:satMod val="105000"/>
+                <a:tint val="67000"/>
+              </a:schemeClr>
+            </a:gs>
+            <a:gs pos="50000">
+              <a:schemeClr val="phClr">
+                <a:lumMod val="105000"/>
+                <a:satMod val="103000"/>
+                <a:tint val="73000"/>
+              </a:schemeClr>
+            </a:gs>
+            <a:gs pos="100000">
+              <a:schemeClr val="phClr">
+                <a:lumMod val="105000"/>
+                <a:satMod val="109000"/>
+                <a:tint val="81000"/>
+              </a:schemeClr>
+            </a:gs>
+          </a:gsLst>
+          <a:lin ang="5400000" scaled="0"/>
+        </a:gradFill>
+        <a:gradFill rotWithShape="1">
+          <a:gsLst>
+            <a:gs pos="0">
+              <a:schemeClr val="phClr">
+                <a:satMod val="103000"/>
+                <a:lumMod val="102000"/>
+                <a:tint val="94000"/>
+              </a:schemeClr>
+            </a:gs>
+            <a:gs pos="50000">
+              <a:schemeClr val="phClr">
+                <a:satMod val="110000"/>
+                <a:lumMod val="100000"/>
+                <a:shade val="100000"/>
+              </a:schemeClr>
+            </a:gs>
+            <a:gs pos="100000">
+              <a:schemeClr val="phClr">
+                <a:lumMod val="99000"/>
+                <a:satMod val="120000"/>
+                <a:shade val="78000"/>
+              </a:schemeClr>
+            </a:gs>
+          </a:gsLst>
+          <a:lin ang="5400000" scaled="0"/>
+        </a:gradFill>
+      </a:fillStyleLst>
+      <a:lnStyleLst>
+        <a:ln w="12700" cap="flat" cmpd="sng" algn="ctr">
+          <a:solidFill>
+            <a:schemeClr val="phClr"/>
+          </a:solidFill>
+          <a:prstDash val="solid"/>
+          <a:miter lim="800000"/>
+        </a:ln>
+        <a:ln w="19050" cap="flat" cmpd="sng" algn="ctr">
+          <a:solidFill>
+            <a:schemeClr val="phClr"/>
+          </a:solidFill>
+          <a:prstDash val="solid"/>
+          <a:miter lim="800000"/>
+        </a:ln>
+        <a:ln w="25400" cap="flat" cmpd="sng" algn="ctr">
+          <a:solidFill>
+            <a:schemeClr val="phClr"/>
+          </a:solidFill>
+          <a:prstDash val="solid"/>
+          <a:miter lim="800000"/>
+        </a:ln>
+      </a:lnStyleLst>
+      <a:effectStyleLst>
+        <a:effectStyle>
+          <a:effectLst/>
+        </a:effectStyle>
+        <a:effectStyle>
+          <a:effectLst/>
+        </a:effectStyle>
+        <a:effectStyle>
+          <a:effectLst>
+            <a:outerShdw blurRad="57150" dist="19050" dir="5400000" algn="ctr" rotWithShape="0">
+              <a:srgbClr val="000000">
+                <a:alpha val="63000"/>
+              </a:srgbClr>
+            </a:outerShdw>
+          </a:effectLst>
+        </a:effectStyle>
+      </a:effectStyleLst>
+      <a:bgFillStyleLst>
+        <a:solidFill>
+          <a:schemeClr val="phClr"/>
+        </a:solidFill>
+        <a:solidFill>
+          <a:schemeClr val="phClr">
+            <a:tint val="95000"/>
+            <a:satMod val="170000"/>
+          </a:schemeClr>
+        </a:solidFill>
+        <a:gradFill rotWithShape="1">
+          <a:gsLst>
+            <a:gs pos="0">
+              <a:schemeClr val="phClr">
+                <a:tint val="93000"/>
+                <a:satMod val="150000"/>
+                <a:shade val="98000"/>
+                <a:lumMod val="102000"/>
+              </a:schemeClr>
+            </a:gs>
+            <a:gs pos="50000">
+              <a:schemeClr val="phClr">
+                <a:tint val="98000"/>
+                <a:satMod val="130000"/>
+                <a:shade val="90000"/>
+                <a:lumMod val="103000"/>
+              </a:schemeClr>
+            </a:gs>
+            <a:gs pos="100000">
+              <a:schemeClr val="phClr">
+                <a:shade val="63000"/>
+                <a:satMod val="120000"/>
+              </a:schemeClr>
+            </a:gs>
+          </a:gsLst>
+          <a:lin ang="5400000" scaled="0"/>
+        </a:gradFill>
+      </a:bgFillStyleLst>
+    </a:fmtScheme>
+  </a:themeElements>
+  <a:objectDefaults>
+    <a:lnDef>
+      <a:spPr/>
+      <a:bodyPr/>
+      <a:lstStyle/>
+      <a:style>
+        <a:lnRef idx="2">
+          <a:schemeClr val="accent1"/>
+        </a:lnRef>
+        <a:fillRef idx="0">
+          <a:schemeClr val="accent1"/>
+        </a:fillRef>
+        <a:effectRef idx="1">
+          <a:schemeClr val="accent1"/>
+        </a:effectRef>
+        <a:fontRef idx="minor">
+          <a:schemeClr val="tx1"/>
+        </a:fontRef>
+      </a:style>
+    </a:lnDef>
+  </a:objectDefaults>
+  <a:extraClrSchemeLst/>
+  <a:extLst>
+    <a:ext uri="{05A4C25C-085E-4340-85A3-A5531E510DB2}">
+      <thm15:themeFamily xmlns:thm15="http://schemas.microsoft.com/office/thememl/2012/main" name="Office Theme" id="{2E142A2C-CD16-42D6-873A-C26D2A0506FA}" vid="{1BDDFF52-6CD6-40A5-AB3C-68EB2F1E4D0A}"/>
+    </a:ext>
+  </a:extLst>
+</a:theme>
 </file>